--- a/lectures/j2ee. Lecture 3.pptx
+++ b/lectures/j2ee. Lecture 3.pptx
@@ -17,7 +17,11 @@
     <p:sldId id="296" r:id="rId11"/>
     <p:sldId id="297" r:id="rId12"/>
     <p:sldId id="298" r:id="rId13"/>
-    <p:sldId id="289" r:id="rId14"/>
+    <p:sldId id="299" r:id="rId14"/>
+    <p:sldId id="300" r:id="rId15"/>
+    <p:sldId id="301" r:id="rId16"/>
+    <p:sldId id="302" r:id="rId17"/>
+    <p:sldId id="289" r:id="rId18"/>
   </p:sldIdLst>
   <p:sldSz cx="9144000" cy="6858000" type="screen4x3"/>
   <p:notesSz cx="6858000" cy="9144000"/>
@@ -3688,7 +3692,7 @@
         <p:spPr>
           <a:xfrm>
             <a:off x="428596" y="1000108"/>
-            <a:ext cx="8286808" cy="369332"/>
+            <a:ext cx="8286808" cy="2585323"/>
           </a:xfrm>
           <a:prstGeom prst="rect">
             <a:avLst/>
@@ -3710,7 +3714,144 @@
               </a:buClr>
             </a:pPr>
             <a:r>
-              <a:rPr lang="ru-RU" dirty="0" smtClean="0">
+              <a:rPr lang="ru-RU" dirty="0">
+                <a:solidFill>
+                  <a:schemeClr val="tx1">
+                    <a:lumMod val="85000"/>
+                    <a:lumOff val="15000"/>
+                  </a:schemeClr>
+                </a:solidFill>
+              </a:rPr>
+              <a:t>Вопрос: «Вам нужно задать некоторые конфигурационные параметры, например, температуру при которой включается кондиционер в нашей системе интеллектуального кондиционирования. Как бы вы организовали это?»</a:t>
+            </a:r>
+          </a:p>
+          <a:p>
+            <a:pPr>
+              <a:buClr>
+                <a:schemeClr val="tx1">
+                  <a:lumMod val="85000"/>
+                  <a:lumOff val="15000"/>
+                </a:schemeClr>
+              </a:buClr>
+            </a:pPr>
+            <a:endParaRPr lang="ru-RU" dirty="0">
+              <a:solidFill>
+                <a:schemeClr val="tx1">
+                  <a:lumMod val="85000"/>
+                  <a:lumOff val="15000"/>
+                </a:schemeClr>
+              </a:solidFill>
+            </a:endParaRPr>
+          </a:p>
+          <a:p>
+            <a:pPr marL="285750" indent="-285750">
+              <a:buClr>
+                <a:schemeClr val="tx1">
+                  <a:lumMod val="85000"/>
+                  <a:lumOff val="15000"/>
+                </a:schemeClr>
+              </a:buClr>
+              <a:buFont typeface="Arial" pitchFamily="34" charset="0"/>
+              <a:buChar char="•"/>
+            </a:pPr>
+            <a:r>
+              <a:rPr lang="en-US" dirty="0">
+                <a:solidFill>
+                  <a:schemeClr val="tx1">
+                    <a:lumMod val="85000"/>
+                    <a:lumOff val="15000"/>
+                  </a:schemeClr>
+                </a:solidFill>
+              </a:rPr>
+              <a:t>Hard-coded</a:t>
+            </a:r>
+          </a:p>
+          <a:p>
+            <a:pPr marL="285750" indent="-285750">
+              <a:buClr>
+                <a:schemeClr val="tx1">
+                  <a:lumMod val="85000"/>
+                  <a:lumOff val="15000"/>
+                </a:schemeClr>
+              </a:buClr>
+              <a:buFont typeface="Arial" pitchFamily="34" charset="0"/>
+              <a:buChar char="•"/>
+            </a:pPr>
+            <a:r>
+              <a:rPr lang="en-US" dirty="0">
+                <a:solidFill>
+                  <a:schemeClr val="tx1">
+                    <a:lumMod val="85000"/>
+                    <a:lumOff val="15000"/>
+                  </a:schemeClr>
+                </a:solidFill>
+              </a:rPr>
+              <a:t>beans.xml</a:t>
+            </a:r>
+          </a:p>
+          <a:p>
+            <a:pPr marL="285750" indent="-285750">
+              <a:buClr>
+                <a:schemeClr val="tx1">
+                  <a:lumMod val="85000"/>
+                  <a:lumOff val="15000"/>
+                </a:schemeClr>
+              </a:buClr>
+              <a:buFont typeface="Arial" pitchFamily="34" charset="0"/>
+              <a:buChar char="•"/>
+            </a:pPr>
+            <a:r>
+              <a:rPr lang="en-US" dirty="0">
+                <a:solidFill>
+                  <a:schemeClr val="tx1">
+                    <a:lumMod val="85000"/>
+                    <a:lumOff val="15000"/>
+                  </a:schemeClr>
+                </a:solidFill>
+              </a:rPr>
+              <a:t>Web-</a:t>
+            </a:r>
+            <a:r>
+              <a:rPr lang="ru-RU" dirty="0">
+                <a:solidFill>
+                  <a:schemeClr val="tx1">
+                    <a:lumMod val="85000"/>
+                    <a:lumOff val="15000"/>
+                  </a:schemeClr>
+                </a:solidFill>
+              </a:rPr>
+              <a:t>сервис (админка)</a:t>
+            </a:r>
+          </a:p>
+          <a:p>
+            <a:pPr>
+              <a:buClr>
+                <a:schemeClr val="tx1">
+                  <a:lumMod val="85000"/>
+                  <a:lumOff val="15000"/>
+                </a:schemeClr>
+              </a:buClr>
+            </a:pPr>
+            <a:endParaRPr lang="en-US" dirty="0" smtClean="0">
+              <a:solidFill>
+                <a:schemeClr val="tx1">
+                  <a:lumMod val="85000"/>
+                  <a:lumOff val="15000"/>
+                </a:schemeClr>
+              </a:solidFill>
+            </a:endParaRPr>
+          </a:p>
+          <a:p>
+            <a:pPr>
+              <a:buClr>
+                <a:schemeClr val="tx1">
+                  <a:lumMod val="85000"/>
+                  <a:lumOff val="15000"/>
+                </a:schemeClr>
+              </a:buClr>
+            </a:pPr>
+            <a:r>
+              <a:rPr lang="ru-RU" b="1" dirty="0" smtClean="0">
                 <a:solidFill>
                   <a:schemeClr val="tx1">
                     <a:lumMod val="85000"/>
@@ -3721,7 +3862,7 @@
               <a:t>При использовании серверов приложений удобным вариантом является </a:t>
             </a:r>
             <a:r>
-              <a:rPr lang="en-US" dirty="0" smtClean="0">
+              <a:rPr lang="en-US" b="1" dirty="0" smtClean="0">
                 <a:solidFill>
                   <a:schemeClr val="tx1">
                     <a:lumMod val="85000"/>
@@ -3731,7 +3872,7 @@
               </a:rPr>
               <a:t>JNDI.</a:t>
             </a:r>
-            <a:endParaRPr lang="en-US" dirty="0" smtClean="0">
+            <a:endParaRPr lang="en-US" b="1" dirty="0" smtClean="0">
               <a:solidFill>
                 <a:schemeClr val="tx1">
                   <a:lumMod val="85000"/>
@@ -3807,8 +3948,8 @@
           <a:p>
             <a:pPr algn="l"/>
             <a:r>
-              <a:rPr lang="ru-RU" sz="3200" dirty="0" smtClean="0"/>
-              <a:t>Задача</a:t>
+              <a:rPr lang="en-US" sz="3200" dirty="0" smtClean="0"/>
+              <a:t>JNDI</a:t>
             </a:r>
             <a:endParaRPr lang="ru-RU" sz="3200" dirty="0"/>
           </a:p>
@@ -3858,7 +3999,7 @@
         <p:spPr>
           <a:xfrm>
             <a:off x="428596" y="1000108"/>
-            <a:ext cx="8286808" cy="1754326"/>
+            <a:ext cx="8286808" cy="3093154"/>
           </a:xfrm>
           <a:prstGeom prst="rect">
             <a:avLst/>
@@ -3871,6 +4012,3914 @@
           </a:bodyPr>
           <a:lstStyle/>
           <a:p>
+            <a:pPr>
+              <a:buClr>
+                <a:schemeClr val="tx1">
+                  <a:lumMod val="85000"/>
+                  <a:lumOff val="15000"/>
+                </a:schemeClr>
+              </a:buClr>
+            </a:pPr>
+            <a:r>
+              <a:rPr lang="ru-RU" dirty="0" smtClean="0">
+                <a:solidFill>
+                  <a:schemeClr val="tx1">
+                    <a:lumMod val="85000"/>
+                    <a:lumOff val="15000"/>
+                  </a:schemeClr>
+                </a:solidFill>
+              </a:rPr>
+              <a:t>Сначала создадим файл с «биндингами»</a:t>
+            </a:r>
+          </a:p>
+          <a:p>
+            <a:pPr>
+              <a:buClr>
+                <a:schemeClr val="tx1">
+                  <a:lumMod val="85000"/>
+                  <a:lumOff val="15000"/>
+                </a:schemeClr>
+              </a:buClr>
+            </a:pPr>
+            <a:endParaRPr lang="ru-RU" dirty="0">
+              <a:solidFill>
+                <a:schemeClr val="tx1">
+                  <a:lumMod val="85000"/>
+                  <a:lumOff val="15000"/>
+                </a:schemeClr>
+              </a:solidFill>
+              <a:cs typeface="Courier New" pitchFamily="49" charset="0"/>
+            </a:endParaRPr>
+          </a:p>
+          <a:p>
+            <a:pPr>
+              <a:buClr>
+                <a:schemeClr val="tx1">
+                  <a:lumMod val="85000"/>
+                  <a:lumOff val="15000"/>
+                </a:schemeClr>
+              </a:buClr>
+            </a:pPr>
+            <a:r>
+              <a:rPr lang="en-US" dirty="0" smtClean="0">
+                <a:solidFill>
+                  <a:schemeClr val="tx1">
+                    <a:lumMod val="85000"/>
+                    <a:lumOff val="15000"/>
+                  </a:schemeClr>
+                </a:solidFill>
+                <a:cs typeface="Courier New" pitchFamily="49" charset="0"/>
+              </a:rPr>
+              <a:t>C:\&lt;somewhere&gt;\jndi-tutorial\.bindings</a:t>
+            </a:r>
+          </a:p>
+          <a:p>
+            <a:pPr>
+              <a:buClr>
+                <a:schemeClr val="tx1">
+                  <a:lumMod val="85000"/>
+                  <a:lumOff val="15000"/>
+                </a:schemeClr>
+              </a:buClr>
+            </a:pPr>
+            <a:endParaRPr lang="en-US" dirty="0">
+              <a:solidFill>
+                <a:schemeClr val="tx1">
+                  <a:lumMod val="85000"/>
+                  <a:lumOff val="15000"/>
+                </a:schemeClr>
+              </a:solidFill>
+              <a:cs typeface="Courier New" pitchFamily="49" charset="0"/>
+            </a:endParaRPr>
+          </a:p>
+          <a:p>
+            <a:pPr>
+              <a:buClr>
+                <a:schemeClr val="tx1">
+                  <a:lumMod val="85000"/>
+                  <a:lumOff val="15000"/>
+                </a:schemeClr>
+              </a:buClr>
+            </a:pPr>
+            <a:r>
+              <a:rPr lang="en-US" sz="1100" b="1" dirty="0" err="1">
+                <a:solidFill>
+                  <a:schemeClr val="tx1">
+                    <a:lumMod val="85000"/>
+                    <a:lumOff val="15000"/>
+                  </a:schemeClr>
+                </a:solidFill>
+                <a:latin typeface="Courier New" pitchFamily="49" charset="0"/>
+                <a:cs typeface="Courier New" pitchFamily="49" charset="0"/>
+              </a:rPr>
+              <a:t>Config</a:t>
+            </a:r>
+            <a:r>
+              <a:rPr lang="en-US" sz="1100" b="1" dirty="0">
+                <a:solidFill>
+                  <a:schemeClr val="tx1">
+                    <a:lumMod val="85000"/>
+                    <a:lumOff val="15000"/>
+                  </a:schemeClr>
+                </a:solidFill>
+                <a:latin typeface="Courier New" pitchFamily="49" charset="0"/>
+                <a:cs typeface="Courier New" pitchFamily="49" charset="0"/>
+              </a:rPr>
+              <a:t>/</a:t>
+            </a:r>
+            <a:r>
+              <a:rPr lang="en-US" sz="1100" b="1" dirty="0" err="1">
+                <a:solidFill>
+                  <a:schemeClr val="tx1">
+                    <a:lumMod val="85000"/>
+                    <a:lumOff val="15000"/>
+                  </a:schemeClr>
+                </a:solidFill>
+                <a:latin typeface="Courier New" pitchFamily="49" charset="0"/>
+                <a:cs typeface="Courier New" pitchFamily="49" charset="0"/>
+              </a:rPr>
+              <a:t>comfortableTemperature</a:t>
+            </a:r>
+            <a:r>
+              <a:rPr lang="en-US" sz="1100" b="1" dirty="0">
+                <a:solidFill>
+                  <a:schemeClr val="tx1">
+                    <a:lumMod val="85000"/>
+                    <a:lumOff val="15000"/>
+                  </a:schemeClr>
+                </a:solidFill>
+                <a:latin typeface="Courier New" pitchFamily="49" charset="0"/>
+                <a:cs typeface="Courier New" pitchFamily="49" charset="0"/>
+              </a:rPr>
+              <a:t>/</a:t>
+            </a:r>
+            <a:r>
+              <a:rPr lang="en-US" sz="1100" b="1" dirty="0" err="1">
+                <a:solidFill>
+                  <a:schemeClr val="tx1">
+                    <a:lumMod val="85000"/>
+                    <a:lumOff val="15000"/>
+                  </a:schemeClr>
+                </a:solidFill>
+                <a:latin typeface="Courier New" pitchFamily="49" charset="0"/>
+                <a:cs typeface="Courier New" pitchFamily="49" charset="0"/>
+              </a:rPr>
+              <a:t>ClassName</a:t>
+            </a:r>
+            <a:r>
+              <a:rPr lang="en-US" sz="1100" b="1" dirty="0">
+                <a:solidFill>
+                  <a:schemeClr val="tx1">
+                    <a:lumMod val="85000"/>
+                    <a:lumOff val="15000"/>
+                  </a:schemeClr>
+                </a:solidFill>
+                <a:latin typeface="Courier New" pitchFamily="49" charset="0"/>
+                <a:cs typeface="Courier New" pitchFamily="49" charset="0"/>
+              </a:rPr>
+              <a:t>=ru.mrdekk.j2ee.lec3.jndi.ComfortableTemperature</a:t>
+            </a:r>
+          </a:p>
+          <a:p>
+            <a:pPr>
+              <a:buClr>
+                <a:schemeClr val="tx1">
+                  <a:lumMod val="85000"/>
+                  <a:lumOff val="15000"/>
+                </a:schemeClr>
+              </a:buClr>
+            </a:pPr>
+            <a:r>
+              <a:rPr lang="en-US" sz="1100" b="1" dirty="0" err="1" smtClean="0">
+                <a:solidFill>
+                  <a:schemeClr val="tx1">
+                    <a:lumMod val="85000"/>
+                    <a:lumOff val="15000"/>
+                  </a:schemeClr>
+                </a:solidFill>
+                <a:latin typeface="Courier New" pitchFamily="49" charset="0"/>
+                <a:cs typeface="Courier New" pitchFamily="49" charset="0"/>
+              </a:rPr>
+              <a:t>Config</a:t>
+            </a:r>
+            <a:r>
+              <a:rPr lang="en-US" sz="1100" b="1" dirty="0" smtClean="0">
+                <a:solidFill>
+                  <a:schemeClr val="tx1">
+                    <a:lumMod val="85000"/>
+                    <a:lumOff val="15000"/>
+                  </a:schemeClr>
+                </a:solidFill>
+                <a:latin typeface="Courier New" pitchFamily="49" charset="0"/>
+                <a:cs typeface="Courier New" pitchFamily="49" charset="0"/>
+              </a:rPr>
+              <a:t>/</a:t>
+            </a:r>
+            <a:r>
+              <a:rPr lang="en-US" sz="1100" b="1" dirty="0" err="1" smtClean="0">
+                <a:solidFill>
+                  <a:schemeClr val="tx1">
+                    <a:lumMod val="85000"/>
+                    <a:lumOff val="15000"/>
+                  </a:schemeClr>
+                </a:solidFill>
+                <a:latin typeface="Courier New" pitchFamily="49" charset="0"/>
+                <a:cs typeface="Courier New" pitchFamily="49" charset="0"/>
+              </a:rPr>
+              <a:t>comfortableTemperature</a:t>
+            </a:r>
+            <a:r>
+              <a:rPr lang="en-US" sz="1100" b="1" dirty="0" smtClean="0">
+                <a:solidFill>
+                  <a:schemeClr val="tx1">
+                    <a:lumMod val="85000"/>
+                    <a:lumOff val="15000"/>
+                  </a:schemeClr>
+                </a:solidFill>
+                <a:latin typeface="Courier New" pitchFamily="49" charset="0"/>
+                <a:cs typeface="Courier New" pitchFamily="49" charset="0"/>
+              </a:rPr>
+              <a:t>/</a:t>
+            </a:r>
+            <a:r>
+              <a:rPr lang="en-US" sz="1100" b="1" dirty="0" err="1" smtClean="0">
+                <a:solidFill>
+                  <a:schemeClr val="tx1">
+                    <a:lumMod val="85000"/>
+                    <a:lumOff val="15000"/>
+                  </a:schemeClr>
+                </a:solidFill>
+                <a:latin typeface="Courier New" pitchFamily="49" charset="0"/>
+                <a:cs typeface="Courier New" pitchFamily="49" charset="0"/>
+              </a:rPr>
+              <a:t>FactoryName</a:t>
+            </a:r>
+            <a:r>
+              <a:rPr lang="en-US" sz="1100" b="1" dirty="0" smtClean="0">
+                <a:solidFill>
+                  <a:schemeClr val="tx1">
+                    <a:lumMod val="85000"/>
+                    <a:lumOff val="15000"/>
+                  </a:schemeClr>
+                </a:solidFill>
+                <a:latin typeface="Courier New" pitchFamily="49" charset="0"/>
+                <a:cs typeface="Courier New" pitchFamily="49" charset="0"/>
+              </a:rPr>
+              <a:t>=ru.mrdekk.j2ee.lec3.jndi.ComfortableTemperatureFactory</a:t>
+            </a:r>
+          </a:p>
+          <a:p>
+            <a:pPr>
+              <a:buClr>
+                <a:schemeClr val="tx1">
+                  <a:lumMod val="85000"/>
+                  <a:lumOff val="15000"/>
+                </a:schemeClr>
+              </a:buClr>
+            </a:pPr>
+            <a:endParaRPr lang="en-US" sz="1100" b="1" dirty="0">
+              <a:solidFill>
+                <a:schemeClr val="tx1">
+                  <a:lumMod val="85000"/>
+                  <a:lumOff val="15000"/>
+                </a:schemeClr>
+              </a:solidFill>
+              <a:latin typeface="Courier New" pitchFamily="49" charset="0"/>
+              <a:cs typeface="Courier New" pitchFamily="49" charset="0"/>
+            </a:endParaRPr>
+          </a:p>
+          <a:p>
+            <a:pPr>
+              <a:buClr>
+                <a:schemeClr val="tx1">
+                  <a:lumMod val="85000"/>
+                  <a:lumOff val="15000"/>
+                </a:schemeClr>
+              </a:buClr>
+            </a:pPr>
+            <a:r>
+              <a:rPr lang="en-US" sz="1200" b="1" dirty="0" err="1">
+                <a:solidFill>
+                  <a:schemeClr val="tx1">
+                    <a:lumMod val="85000"/>
+                    <a:lumOff val="15000"/>
+                  </a:schemeClr>
+                </a:solidFill>
+                <a:latin typeface="Courier New" pitchFamily="49" charset="0"/>
+                <a:cs typeface="Courier New" pitchFamily="49" charset="0"/>
+              </a:rPr>
+              <a:t>Config</a:t>
+            </a:r>
+            <a:r>
+              <a:rPr lang="en-US" sz="1200" b="1" dirty="0">
+                <a:solidFill>
+                  <a:schemeClr val="tx1">
+                    <a:lumMod val="85000"/>
+                    <a:lumOff val="15000"/>
+                  </a:schemeClr>
+                </a:solidFill>
+                <a:latin typeface="Courier New" pitchFamily="49" charset="0"/>
+                <a:cs typeface="Courier New" pitchFamily="49" charset="0"/>
+              </a:rPr>
+              <a:t>/</a:t>
+            </a:r>
+            <a:r>
+              <a:rPr lang="en-US" sz="1200" b="1" dirty="0" err="1">
+                <a:solidFill>
+                  <a:schemeClr val="tx1">
+                    <a:lumMod val="85000"/>
+                    <a:lumOff val="15000"/>
+                  </a:schemeClr>
+                </a:solidFill>
+                <a:latin typeface="Courier New" pitchFamily="49" charset="0"/>
+                <a:cs typeface="Courier New" pitchFamily="49" charset="0"/>
+              </a:rPr>
+              <a:t>comfortableTemperature</a:t>
+            </a:r>
+            <a:r>
+              <a:rPr lang="en-US" sz="1200" b="1" dirty="0">
+                <a:solidFill>
+                  <a:schemeClr val="tx1">
+                    <a:lumMod val="85000"/>
+                    <a:lumOff val="15000"/>
+                  </a:schemeClr>
+                </a:solidFill>
+                <a:latin typeface="Courier New" pitchFamily="49" charset="0"/>
+                <a:cs typeface="Courier New" pitchFamily="49" charset="0"/>
+              </a:rPr>
+              <a:t>/</a:t>
+            </a:r>
+            <a:r>
+              <a:rPr lang="en-US" sz="1200" b="1" dirty="0" err="1">
+                <a:solidFill>
+                  <a:schemeClr val="tx1">
+                    <a:lumMod val="85000"/>
+                    <a:lumOff val="15000"/>
+                  </a:schemeClr>
+                </a:solidFill>
+                <a:latin typeface="Courier New" pitchFamily="49" charset="0"/>
+                <a:cs typeface="Courier New" pitchFamily="49" charset="0"/>
+              </a:rPr>
+              <a:t>RefAddr</a:t>
+            </a:r>
+            <a:r>
+              <a:rPr lang="en-US" sz="1200" b="1" dirty="0">
+                <a:solidFill>
+                  <a:schemeClr val="tx1">
+                    <a:lumMod val="85000"/>
+                    <a:lumOff val="15000"/>
+                  </a:schemeClr>
+                </a:solidFill>
+                <a:latin typeface="Courier New" pitchFamily="49" charset="0"/>
+                <a:cs typeface="Courier New" pitchFamily="49" charset="0"/>
+              </a:rPr>
+              <a:t>/0/Type=ref</a:t>
+            </a:r>
+          </a:p>
+          <a:p>
+            <a:pPr>
+              <a:buClr>
+                <a:schemeClr val="tx1">
+                  <a:lumMod val="85000"/>
+                  <a:lumOff val="15000"/>
+                </a:schemeClr>
+              </a:buClr>
+            </a:pPr>
+            <a:r>
+              <a:rPr lang="en-US" sz="1200" b="1" dirty="0" err="1">
+                <a:solidFill>
+                  <a:schemeClr val="tx1">
+                    <a:lumMod val="85000"/>
+                    <a:lumOff val="15000"/>
+                  </a:schemeClr>
+                </a:solidFill>
+                <a:latin typeface="Courier New" pitchFamily="49" charset="0"/>
+                <a:cs typeface="Courier New" pitchFamily="49" charset="0"/>
+              </a:rPr>
+              <a:t>Config</a:t>
+            </a:r>
+            <a:r>
+              <a:rPr lang="en-US" sz="1200" b="1" dirty="0">
+                <a:solidFill>
+                  <a:schemeClr val="tx1">
+                    <a:lumMod val="85000"/>
+                    <a:lumOff val="15000"/>
+                  </a:schemeClr>
+                </a:solidFill>
+                <a:latin typeface="Courier New" pitchFamily="49" charset="0"/>
+                <a:cs typeface="Courier New" pitchFamily="49" charset="0"/>
+              </a:rPr>
+              <a:t>/</a:t>
+            </a:r>
+            <a:r>
+              <a:rPr lang="en-US" sz="1200" b="1" dirty="0" err="1">
+                <a:solidFill>
+                  <a:schemeClr val="tx1">
+                    <a:lumMod val="85000"/>
+                    <a:lumOff val="15000"/>
+                  </a:schemeClr>
+                </a:solidFill>
+                <a:latin typeface="Courier New" pitchFamily="49" charset="0"/>
+                <a:cs typeface="Courier New" pitchFamily="49" charset="0"/>
+              </a:rPr>
+              <a:t>comfortableTemperature</a:t>
+            </a:r>
+            <a:r>
+              <a:rPr lang="en-US" sz="1200" b="1" dirty="0">
+                <a:solidFill>
+                  <a:schemeClr val="tx1">
+                    <a:lumMod val="85000"/>
+                    <a:lumOff val="15000"/>
+                  </a:schemeClr>
+                </a:solidFill>
+                <a:latin typeface="Courier New" pitchFamily="49" charset="0"/>
+                <a:cs typeface="Courier New" pitchFamily="49" charset="0"/>
+              </a:rPr>
+              <a:t>/</a:t>
+            </a:r>
+            <a:r>
+              <a:rPr lang="en-US" sz="1200" b="1" dirty="0" err="1">
+                <a:solidFill>
+                  <a:schemeClr val="tx1">
+                    <a:lumMod val="85000"/>
+                    <a:lumOff val="15000"/>
+                  </a:schemeClr>
+                </a:solidFill>
+                <a:latin typeface="Courier New" pitchFamily="49" charset="0"/>
+                <a:cs typeface="Courier New" pitchFamily="49" charset="0"/>
+              </a:rPr>
+              <a:t>RefAddr</a:t>
+            </a:r>
+            <a:r>
+              <a:rPr lang="en-US" sz="1200" b="1" dirty="0">
+                <a:solidFill>
+                  <a:schemeClr val="tx1">
+                    <a:lumMod val="85000"/>
+                    <a:lumOff val="15000"/>
+                  </a:schemeClr>
+                </a:solidFill>
+                <a:latin typeface="Courier New" pitchFamily="49" charset="0"/>
+                <a:cs typeface="Courier New" pitchFamily="49" charset="0"/>
+              </a:rPr>
+              <a:t>/0/Encoding=String</a:t>
+            </a:r>
+          </a:p>
+          <a:p>
+            <a:pPr>
+              <a:buClr>
+                <a:schemeClr val="tx1">
+                  <a:lumMod val="85000"/>
+                  <a:lumOff val="15000"/>
+                </a:schemeClr>
+              </a:buClr>
+            </a:pPr>
+            <a:r>
+              <a:rPr lang="en-US" sz="1200" b="1" dirty="0" err="1">
+                <a:solidFill>
+                  <a:schemeClr val="tx1">
+                    <a:lumMod val="85000"/>
+                    <a:lumOff val="15000"/>
+                  </a:schemeClr>
+                </a:solidFill>
+                <a:latin typeface="Courier New" pitchFamily="49" charset="0"/>
+                <a:cs typeface="Courier New" pitchFamily="49" charset="0"/>
+              </a:rPr>
+              <a:t>Config</a:t>
+            </a:r>
+            <a:r>
+              <a:rPr lang="en-US" sz="1200" b="1" dirty="0">
+                <a:solidFill>
+                  <a:schemeClr val="tx1">
+                    <a:lumMod val="85000"/>
+                    <a:lumOff val="15000"/>
+                  </a:schemeClr>
+                </a:solidFill>
+                <a:latin typeface="Courier New" pitchFamily="49" charset="0"/>
+                <a:cs typeface="Courier New" pitchFamily="49" charset="0"/>
+              </a:rPr>
+              <a:t>/</a:t>
+            </a:r>
+            <a:r>
+              <a:rPr lang="en-US" sz="1200" b="1" dirty="0" err="1">
+                <a:solidFill>
+                  <a:schemeClr val="tx1">
+                    <a:lumMod val="85000"/>
+                    <a:lumOff val="15000"/>
+                  </a:schemeClr>
+                </a:solidFill>
+                <a:latin typeface="Courier New" pitchFamily="49" charset="0"/>
+                <a:cs typeface="Courier New" pitchFamily="49" charset="0"/>
+              </a:rPr>
+              <a:t>comfortableTemperature</a:t>
+            </a:r>
+            <a:r>
+              <a:rPr lang="en-US" sz="1200" b="1" dirty="0">
+                <a:solidFill>
+                  <a:schemeClr val="tx1">
+                    <a:lumMod val="85000"/>
+                    <a:lumOff val="15000"/>
+                  </a:schemeClr>
+                </a:solidFill>
+                <a:latin typeface="Courier New" pitchFamily="49" charset="0"/>
+                <a:cs typeface="Courier New" pitchFamily="49" charset="0"/>
+              </a:rPr>
+              <a:t>/</a:t>
+            </a:r>
+            <a:r>
+              <a:rPr lang="en-US" sz="1200" b="1" dirty="0" err="1">
+                <a:solidFill>
+                  <a:schemeClr val="tx1">
+                    <a:lumMod val="85000"/>
+                    <a:lumOff val="15000"/>
+                  </a:schemeClr>
+                </a:solidFill>
+                <a:latin typeface="Courier New" pitchFamily="49" charset="0"/>
+                <a:cs typeface="Courier New" pitchFamily="49" charset="0"/>
+              </a:rPr>
+              <a:t>RefAddr</a:t>
+            </a:r>
+            <a:r>
+              <a:rPr lang="en-US" sz="1200" b="1" dirty="0">
+                <a:solidFill>
+                  <a:schemeClr val="tx1">
+                    <a:lumMod val="85000"/>
+                    <a:lumOff val="15000"/>
+                  </a:schemeClr>
+                </a:solidFill>
+                <a:latin typeface="Courier New" pitchFamily="49" charset="0"/>
+                <a:cs typeface="Courier New" pitchFamily="49" charset="0"/>
+              </a:rPr>
+              <a:t>/0/Content=defs://comfortable-temperature</a:t>
+            </a:r>
+          </a:p>
+          <a:p>
+            <a:pPr>
+              <a:buClr>
+                <a:schemeClr val="tx1">
+                  <a:lumMod val="85000"/>
+                  <a:lumOff val="15000"/>
+                </a:schemeClr>
+              </a:buClr>
+            </a:pPr>
+            <a:r>
+              <a:rPr lang="en-US" sz="1200" b="1" dirty="0" err="1">
+                <a:solidFill>
+                  <a:schemeClr val="tx1">
+                    <a:lumMod val="85000"/>
+                    <a:lumOff val="15000"/>
+                  </a:schemeClr>
+                </a:solidFill>
+                <a:latin typeface="Courier New" pitchFamily="49" charset="0"/>
+                <a:cs typeface="Courier New" pitchFamily="49" charset="0"/>
+              </a:rPr>
+              <a:t>Config</a:t>
+            </a:r>
+            <a:r>
+              <a:rPr lang="en-US" sz="1200" b="1" dirty="0">
+                <a:solidFill>
+                  <a:schemeClr val="tx1">
+                    <a:lumMod val="85000"/>
+                    <a:lumOff val="15000"/>
+                  </a:schemeClr>
+                </a:solidFill>
+                <a:latin typeface="Courier New" pitchFamily="49" charset="0"/>
+                <a:cs typeface="Courier New" pitchFamily="49" charset="0"/>
+              </a:rPr>
+              <a:t>/</a:t>
+            </a:r>
+            <a:r>
+              <a:rPr lang="en-US" sz="1200" b="1" dirty="0" err="1">
+                <a:solidFill>
+                  <a:schemeClr val="tx1">
+                    <a:lumMod val="85000"/>
+                    <a:lumOff val="15000"/>
+                  </a:schemeClr>
+                </a:solidFill>
+                <a:latin typeface="Courier New" pitchFamily="49" charset="0"/>
+                <a:cs typeface="Courier New" pitchFamily="49" charset="0"/>
+              </a:rPr>
+              <a:t>comfortableTemperature</a:t>
+            </a:r>
+            <a:r>
+              <a:rPr lang="en-US" sz="1200" b="1" dirty="0">
+                <a:solidFill>
+                  <a:schemeClr val="tx1">
+                    <a:lumMod val="85000"/>
+                    <a:lumOff val="15000"/>
+                  </a:schemeClr>
+                </a:solidFill>
+                <a:latin typeface="Courier New" pitchFamily="49" charset="0"/>
+                <a:cs typeface="Courier New" pitchFamily="49" charset="0"/>
+              </a:rPr>
+              <a:t>/</a:t>
+            </a:r>
+            <a:r>
+              <a:rPr lang="en-US" sz="1200" b="1" dirty="0" err="1">
+                <a:solidFill>
+                  <a:schemeClr val="tx1">
+                    <a:lumMod val="85000"/>
+                    <a:lumOff val="15000"/>
+                  </a:schemeClr>
+                </a:solidFill>
+                <a:latin typeface="Courier New" pitchFamily="49" charset="0"/>
+                <a:cs typeface="Courier New" pitchFamily="49" charset="0"/>
+              </a:rPr>
+              <a:t>RefAddr</a:t>
+            </a:r>
+            <a:r>
+              <a:rPr lang="en-US" sz="1200" b="1" dirty="0">
+                <a:solidFill>
+                  <a:schemeClr val="tx1">
+                    <a:lumMod val="85000"/>
+                    <a:lumOff val="15000"/>
+                  </a:schemeClr>
+                </a:solidFill>
+                <a:latin typeface="Courier New" pitchFamily="49" charset="0"/>
+                <a:cs typeface="Courier New" pitchFamily="49" charset="0"/>
+              </a:rPr>
+              <a:t>/1/Type=temperature</a:t>
+            </a:r>
+          </a:p>
+          <a:p>
+            <a:pPr>
+              <a:buClr>
+                <a:schemeClr val="tx1">
+                  <a:lumMod val="85000"/>
+                  <a:lumOff val="15000"/>
+                </a:schemeClr>
+              </a:buClr>
+            </a:pPr>
+            <a:r>
+              <a:rPr lang="en-US" sz="1200" b="1" dirty="0" err="1">
+                <a:solidFill>
+                  <a:schemeClr val="tx1">
+                    <a:lumMod val="85000"/>
+                    <a:lumOff val="15000"/>
+                  </a:schemeClr>
+                </a:solidFill>
+                <a:latin typeface="Courier New" pitchFamily="49" charset="0"/>
+                <a:cs typeface="Courier New" pitchFamily="49" charset="0"/>
+              </a:rPr>
+              <a:t>Config</a:t>
+            </a:r>
+            <a:r>
+              <a:rPr lang="en-US" sz="1200" b="1" dirty="0">
+                <a:solidFill>
+                  <a:schemeClr val="tx1">
+                    <a:lumMod val="85000"/>
+                    <a:lumOff val="15000"/>
+                  </a:schemeClr>
+                </a:solidFill>
+                <a:latin typeface="Courier New" pitchFamily="49" charset="0"/>
+                <a:cs typeface="Courier New" pitchFamily="49" charset="0"/>
+              </a:rPr>
+              <a:t>/</a:t>
+            </a:r>
+            <a:r>
+              <a:rPr lang="en-US" sz="1200" b="1" dirty="0" err="1">
+                <a:solidFill>
+                  <a:schemeClr val="tx1">
+                    <a:lumMod val="85000"/>
+                    <a:lumOff val="15000"/>
+                  </a:schemeClr>
+                </a:solidFill>
+                <a:latin typeface="Courier New" pitchFamily="49" charset="0"/>
+                <a:cs typeface="Courier New" pitchFamily="49" charset="0"/>
+              </a:rPr>
+              <a:t>comfortableTemperature</a:t>
+            </a:r>
+            <a:r>
+              <a:rPr lang="en-US" sz="1200" b="1" dirty="0">
+                <a:solidFill>
+                  <a:schemeClr val="tx1">
+                    <a:lumMod val="85000"/>
+                    <a:lumOff val="15000"/>
+                  </a:schemeClr>
+                </a:solidFill>
+                <a:latin typeface="Courier New" pitchFamily="49" charset="0"/>
+                <a:cs typeface="Courier New" pitchFamily="49" charset="0"/>
+              </a:rPr>
+              <a:t>/</a:t>
+            </a:r>
+            <a:r>
+              <a:rPr lang="en-US" sz="1200" b="1" dirty="0" err="1">
+                <a:solidFill>
+                  <a:schemeClr val="tx1">
+                    <a:lumMod val="85000"/>
+                    <a:lumOff val="15000"/>
+                  </a:schemeClr>
+                </a:solidFill>
+                <a:latin typeface="Courier New" pitchFamily="49" charset="0"/>
+                <a:cs typeface="Courier New" pitchFamily="49" charset="0"/>
+              </a:rPr>
+              <a:t>RefAddr</a:t>
+            </a:r>
+            <a:r>
+              <a:rPr lang="en-US" sz="1200" b="1" dirty="0">
+                <a:solidFill>
+                  <a:schemeClr val="tx1">
+                    <a:lumMod val="85000"/>
+                    <a:lumOff val="15000"/>
+                  </a:schemeClr>
+                </a:solidFill>
+                <a:latin typeface="Courier New" pitchFamily="49" charset="0"/>
+                <a:cs typeface="Courier New" pitchFamily="49" charset="0"/>
+              </a:rPr>
+              <a:t>/1/Encoding=String</a:t>
+            </a:r>
+          </a:p>
+          <a:p>
+            <a:pPr>
+              <a:buClr>
+                <a:schemeClr val="tx1">
+                  <a:lumMod val="85000"/>
+                  <a:lumOff val="15000"/>
+                </a:schemeClr>
+              </a:buClr>
+            </a:pPr>
+            <a:r>
+              <a:rPr lang="en-US" sz="1200" b="1" dirty="0" err="1">
+                <a:solidFill>
+                  <a:schemeClr val="tx1">
+                    <a:lumMod val="85000"/>
+                    <a:lumOff val="15000"/>
+                  </a:schemeClr>
+                </a:solidFill>
+                <a:latin typeface="Courier New" pitchFamily="49" charset="0"/>
+                <a:cs typeface="Courier New" pitchFamily="49" charset="0"/>
+              </a:rPr>
+              <a:t>Config</a:t>
+            </a:r>
+            <a:r>
+              <a:rPr lang="en-US" sz="1200" b="1" dirty="0">
+                <a:solidFill>
+                  <a:schemeClr val="tx1">
+                    <a:lumMod val="85000"/>
+                    <a:lumOff val="15000"/>
+                  </a:schemeClr>
+                </a:solidFill>
+                <a:latin typeface="Courier New" pitchFamily="49" charset="0"/>
+                <a:cs typeface="Courier New" pitchFamily="49" charset="0"/>
+              </a:rPr>
+              <a:t>/</a:t>
+            </a:r>
+            <a:r>
+              <a:rPr lang="en-US" sz="1200" b="1" dirty="0" err="1">
+                <a:solidFill>
+                  <a:schemeClr val="tx1">
+                    <a:lumMod val="85000"/>
+                    <a:lumOff val="15000"/>
+                  </a:schemeClr>
+                </a:solidFill>
+                <a:latin typeface="Courier New" pitchFamily="49" charset="0"/>
+                <a:cs typeface="Courier New" pitchFamily="49" charset="0"/>
+              </a:rPr>
+              <a:t>comfortableTemperature</a:t>
+            </a:r>
+            <a:r>
+              <a:rPr lang="en-US" sz="1200" b="1" dirty="0">
+                <a:solidFill>
+                  <a:schemeClr val="tx1">
+                    <a:lumMod val="85000"/>
+                    <a:lumOff val="15000"/>
+                  </a:schemeClr>
+                </a:solidFill>
+                <a:latin typeface="Courier New" pitchFamily="49" charset="0"/>
+                <a:cs typeface="Courier New" pitchFamily="49" charset="0"/>
+              </a:rPr>
+              <a:t>/</a:t>
+            </a:r>
+            <a:r>
+              <a:rPr lang="en-US" sz="1200" b="1" dirty="0" err="1">
+                <a:solidFill>
+                  <a:schemeClr val="tx1">
+                    <a:lumMod val="85000"/>
+                    <a:lumOff val="15000"/>
+                  </a:schemeClr>
+                </a:solidFill>
+                <a:latin typeface="Courier New" pitchFamily="49" charset="0"/>
+                <a:cs typeface="Courier New" pitchFamily="49" charset="0"/>
+              </a:rPr>
+              <a:t>RefAddr</a:t>
+            </a:r>
+            <a:r>
+              <a:rPr lang="en-US" sz="1200" b="1" dirty="0">
+                <a:solidFill>
+                  <a:schemeClr val="tx1">
+                    <a:lumMod val="85000"/>
+                    <a:lumOff val="15000"/>
+                  </a:schemeClr>
+                </a:solidFill>
+                <a:latin typeface="Courier New" pitchFamily="49" charset="0"/>
+                <a:cs typeface="Courier New" pitchFamily="49" charset="0"/>
+              </a:rPr>
+              <a:t>/1/Content=22.5</a:t>
+            </a:r>
+          </a:p>
+          <a:p>
+            <a:pPr>
+              <a:buClr>
+                <a:schemeClr val="tx1">
+                  <a:lumMod val="85000"/>
+                  <a:lumOff val="15000"/>
+                </a:schemeClr>
+              </a:buClr>
+            </a:pPr>
+            <a:endParaRPr lang="en-US" dirty="0" smtClean="0">
+              <a:solidFill>
+                <a:schemeClr val="tx1">
+                  <a:lumMod val="85000"/>
+                  <a:lumOff val="15000"/>
+                </a:schemeClr>
+              </a:solidFill>
+              <a:cs typeface="Courier New" pitchFamily="49" charset="0"/>
+            </a:endParaRPr>
+          </a:p>
+        </p:txBody>
+      </p:sp>
+    </p:spTree>
+    <p:extLst>
+      <p:ext uri="{BB962C8B-B14F-4D97-AF65-F5344CB8AC3E}">
+        <p14:creationId xmlns:p14="http://schemas.microsoft.com/office/powerpoint/2010/main" val="1464156524"/>
+      </p:ext>
+    </p:extLst>
+  </p:cSld>
+  <p:clrMapOvr>
+    <a:masterClrMapping/>
+  </p:clrMapOvr>
+  <p:timing>
+    <p:tnLst>
+      <p:par>
+        <p:cTn id="1" dur="indefinite" restart="never" nodeType="tmRoot"/>
+      </p:par>
+    </p:tnLst>
+  </p:timing>
+</p:sld>
+</file>
+
+<file path=ppt/slides/slide14.xml><?xml version="1.0" encoding="utf-8"?>
+<p:sld xmlns:a="http://schemas.openxmlformats.org/drawingml/2006/main" xmlns:r="http://schemas.openxmlformats.org/officeDocument/2006/relationships" xmlns:p="http://schemas.openxmlformats.org/presentationml/2006/main">
+  <p:cSld>
+    <p:spTree>
+      <p:nvGrpSpPr>
+        <p:cNvPr id="1" name=""/>
+        <p:cNvGrpSpPr/>
+        <p:nvPr/>
+      </p:nvGrpSpPr>
+      <p:grpSpPr>
+        <a:xfrm>
+          <a:off x="0" y="0"/>
+          <a:ext cx="0" cy="0"/>
+          <a:chOff x="0" y="0"/>
+          <a:chExt cx="0" cy="0"/>
+        </a:xfrm>
+      </p:grpSpPr>
+      <p:sp>
+        <p:nvSpPr>
+          <p:cNvPr id="2" name="Title 1"/>
+          <p:cNvSpPr>
+            <a:spLocks noGrp="1"/>
+          </p:cNvSpPr>
+          <p:nvPr>
+            <p:ph type="title"/>
+          </p:nvPr>
+        </p:nvSpPr>
+        <p:spPr>
+          <a:xfrm>
+            <a:off x="457200" y="274638"/>
+            <a:ext cx="8229600" cy="439718"/>
+          </a:xfrm>
+          <a:ln>
+            <a:noFill/>
+          </a:ln>
+        </p:spPr>
+        <p:txBody>
+          <a:bodyPr>
+            <a:normAutofit fontScale="90000"/>
+          </a:bodyPr>
+          <a:lstStyle/>
+          <a:p>
+            <a:pPr algn="l"/>
+            <a:r>
+              <a:rPr lang="en-US" sz="3200" dirty="0" smtClean="0"/>
+              <a:t>JNDI</a:t>
+            </a:r>
+            <a:endParaRPr lang="ru-RU" sz="3200" dirty="0"/>
+          </a:p>
+        </p:txBody>
+      </p:sp>
+      <p:cxnSp>
+        <p:nvCxnSpPr>
+          <p:cNvPr id="7" name="Straight Connector 6"/>
+          <p:cNvCxnSpPr/>
+          <p:nvPr/>
+        </p:nvCxnSpPr>
+        <p:spPr>
+          <a:xfrm>
+            <a:off x="428596" y="714356"/>
+            <a:ext cx="8286808" cy="1588"/>
+          </a:xfrm>
+          <a:prstGeom prst="line">
+            <a:avLst/>
+          </a:prstGeom>
+          <a:ln>
+            <a:solidFill>
+              <a:schemeClr val="tx1"/>
+            </a:solidFill>
+          </a:ln>
+        </p:spPr>
+        <p:style>
+          <a:lnRef idx="1">
+            <a:schemeClr val="accent1"/>
+          </a:lnRef>
+          <a:fillRef idx="0">
+            <a:schemeClr val="accent1"/>
+          </a:fillRef>
+          <a:effectRef idx="0">
+            <a:schemeClr val="accent1"/>
+          </a:effectRef>
+          <a:fontRef idx="minor">
+            <a:schemeClr val="tx1"/>
+          </a:fontRef>
+        </p:style>
+      </p:cxnSp>
+      <p:sp>
+        <p:nvSpPr>
+          <p:cNvPr id="10" name="TextBox 9"/>
+          <p:cNvSpPr txBox="1"/>
+          <p:nvPr/>
+        </p:nvSpPr>
+        <p:spPr>
+          <a:xfrm>
+            <a:off x="428596" y="1000108"/>
+            <a:ext cx="8286808" cy="3231654"/>
+          </a:xfrm>
+          <a:prstGeom prst="rect">
+            <a:avLst/>
+          </a:prstGeom>
+          <a:noFill/>
+        </p:spPr>
+        <p:txBody>
+          <a:bodyPr wrap="square" rtlCol="0">
+            <a:spAutoFit/>
+          </a:bodyPr>
+          <a:lstStyle/>
+          <a:p>
+            <a:pPr>
+              <a:buClr>
+                <a:schemeClr val="tx1">
+                  <a:lumMod val="85000"/>
+                  <a:lumOff val="15000"/>
+                </a:schemeClr>
+              </a:buClr>
+            </a:pPr>
+            <a:r>
+              <a:rPr lang="ru-RU" dirty="0" smtClean="0">
+                <a:solidFill>
+                  <a:schemeClr val="tx1">
+                    <a:lumMod val="85000"/>
+                    <a:lumOff val="15000"/>
+                  </a:schemeClr>
+                </a:solidFill>
+              </a:rPr>
+              <a:t>Потом создадим в </a:t>
+            </a:r>
+            <a:r>
+              <a:rPr lang="en-US" dirty="0" err="1" smtClean="0">
+                <a:solidFill>
+                  <a:schemeClr val="tx1">
+                    <a:lumMod val="85000"/>
+                    <a:lumOff val="15000"/>
+                  </a:schemeClr>
+                </a:solidFill>
+              </a:rPr>
+              <a:t>WebLogic</a:t>
+            </a:r>
+            <a:r>
+              <a:rPr lang="en-US" dirty="0" smtClean="0">
+                <a:solidFill>
+                  <a:schemeClr val="tx1">
+                    <a:lumMod val="85000"/>
+                    <a:lumOff val="15000"/>
+                  </a:schemeClr>
+                </a:solidFill>
+              </a:rPr>
+              <a:t>’</a:t>
+            </a:r>
+            <a:r>
+              <a:rPr lang="ru-RU" dirty="0" smtClean="0">
+                <a:solidFill>
+                  <a:schemeClr val="tx1">
+                    <a:lumMod val="85000"/>
+                    <a:lumOff val="15000"/>
+                  </a:schemeClr>
+                </a:solidFill>
+              </a:rPr>
+              <a:t>е ссылка на эти </a:t>
+            </a:r>
+            <a:r>
+              <a:rPr lang="en-US" dirty="0" smtClean="0">
+                <a:solidFill>
+                  <a:schemeClr val="tx1">
+                    <a:lumMod val="85000"/>
+                    <a:lumOff val="15000"/>
+                  </a:schemeClr>
+                </a:solidFill>
+              </a:rPr>
+              <a:t>JNDI </a:t>
+            </a:r>
+            <a:endParaRPr lang="ru-RU" dirty="0" smtClean="0">
+              <a:solidFill>
+                <a:schemeClr val="tx1">
+                  <a:lumMod val="85000"/>
+                  <a:lumOff val="15000"/>
+                </a:schemeClr>
+              </a:solidFill>
+            </a:endParaRPr>
+          </a:p>
+          <a:p>
+            <a:pPr>
+              <a:buClr>
+                <a:schemeClr val="tx1">
+                  <a:lumMod val="85000"/>
+                  <a:lumOff val="15000"/>
+                </a:schemeClr>
+              </a:buClr>
+            </a:pPr>
+            <a:endParaRPr lang="ru-RU" dirty="0">
+              <a:solidFill>
+                <a:schemeClr val="tx1">
+                  <a:lumMod val="85000"/>
+                  <a:lumOff val="15000"/>
+                </a:schemeClr>
+              </a:solidFill>
+              <a:cs typeface="Courier New" pitchFamily="49" charset="0"/>
+            </a:endParaRPr>
+          </a:p>
+          <a:p>
+            <a:pPr>
+              <a:buClr>
+                <a:schemeClr val="tx1">
+                  <a:lumMod val="85000"/>
+                  <a:lumOff val="15000"/>
+                </a:schemeClr>
+              </a:buClr>
+            </a:pPr>
+            <a:r>
+              <a:rPr lang="en-US" sz="1400" b="1" dirty="0" smtClean="0">
+                <a:solidFill>
+                  <a:schemeClr val="tx1">
+                    <a:lumMod val="85000"/>
+                    <a:lumOff val="15000"/>
+                  </a:schemeClr>
+                </a:solidFill>
+                <a:latin typeface="Courier New" pitchFamily="49" charset="0"/>
+                <a:cs typeface="Courier New" pitchFamily="49" charset="0"/>
+              </a:rPr>
+              <a:t>&lt;</a:t>
+            </a:r>
+            <a:r>
+              <a:rPr lang="en-US" sz="1400" b="1" dirty="0">
+                <a:solidFill>
+                  <a:schemeClr val="tx1">
+                    <a:lumMod val="85000"/>
+                    <a:lumOff val="15000"/>
+                  </a:schemeClr>
+                </a:solidFill>
+                <a:latin typeface="Courier New" pitchFamily="49" charset="0"/>
+                <a:cs typeface="Courier New" pitchFamily="49" charset="0"/>
+              </a:rPr>
+              <a:t>foreign-</a:t>
+            </a:r>
+            <a:r>
+              <a:rPr lang="en-US" sz="1400" b="1" dirty="0" err="1">
+                <a:solidFill>
+                  <a:schemeClr val="tx1">
+                    <a:lumMod val="85000"/>
+                    <a:lumOff val="15000"/>
+                  </a:schemeClr>
+                </a:solidFill>
+                <a:latin typeface="Courier New" pitchFamily="49" charset="0"/>
+                <a:cs typeface="Courier New" pitchFamily="49" charset="0"/>
+              </a:rPr>
+              <a:t>jndi</a:t>
+            </a:r>
+            <a:r>
+              <a:rPr lang="en-US" sz="1400" b="1" dirty="0">
+                <a:solidFill>
+                  <a:schemeClr val="tx1">
+                    <a:lumMod val="85000"/>
+                    <a:lumOff val="15000"/>
+                  </a:schemeClr>
+                </a:solidFill>
+                <a:latin typeface="Courier New" pitchFamily="49" charset="0"/>
+                <a:cs typeface="Courier New" pitchFamily="49" charset="0"/>
+              </a:rPr>
+              <a:t>-provider&gt;</a:t>
+            </a:r>
+          </a:p>
+          <a:p>
+            <a:pPr>
+              <a:buClr>
+                <a:schemeClr val="tx1">
+                  <a:lumMod val="85000"/>
+                  <a:lumOff val="15000"/>
+                </a:schemeClr>
+              </a:buClr>
+            </a:pPr>
+            <a:r>
+              <a:rPr lang="ru-RU" sz="1400" b="1" dirty="0" smtClean="0">
+                <a:solidFill>
+                  <a:schemeClr val="tx1">
+                    <a:lumMod val="85000"/>
+                    <a:lumOff val="15000"/>
+                  </a:schemeClr>
+                </a:solidFill>
+                <a:latin typeface="Courier New" pitchFamily="49" charset="0"/>
+                <a:cs typeface="Courier New" pitchFamily="49" charset="0"/>
+              </a:rPr>
+              <a:t>    </a:t>
+            </a:r>
+            <a:r>
+              <a:rPr lang="en-US" sz="1400" b="1" dirty="0" smtClean="0">
+                <a:solidFill>
+                  <a:schemeClr val="tx1">
+                    <a:lumMod val="85000"/>
+                    <a:lumOff val="15000"/>
+                  </a:schemeClr>
+                </a:solidFill>
+                <a:latin typeface="Courier New" pitchFamily="49" charset="0"/>
+                <a:cs typeface="Courier New" pitchFamily="49" charset="0"/>
+              </a:rPr>
+              <a:t>&lt;</a:t>
+            </a:r>
+            <a:r>
+              <a:rPr lang="en-US" sz="1400" b="1" dirty="0">
+                <a:solidFill>
+                  <a:schemeClr val="tx1">
+                    <a:lumMod val="85000"/>
+                    <a:lumOff val="15000"/>
+                  </a:schemeClr>
+                </a:solidFill>
+                <a:latin typeface="Courier New" pitchFamily="49" charset="0"/>
+                <a:cs typeface="Courier New" pitchFamily="49" charset="0"/>
+              </a:rPr>
+              <a:t>name&gt;</a:t>
+            </a:r>
+            <a:r>
+              <a:rPr lang="en-US" sz="1400" b="1" dirty="0" err="1">
+                <a:solidFill>
+                  <a:schemeClr val="tx1">
+                    <a:lumMod val="85000"/>
+                    <a:lumOff val="15000"/>
+                  </a:schemeClr>
+                </a:solidFill>
+                <a:latin typeface="Courier New" pitchFamily="49" charset="0"/>
+                <a:cs typeface="Courier New" pitchFamily="49" charset="0"/>
+              </a:rPr>
+              <a:t>cfg</a:t>
+            </a:r>
+            <a:r>
+              <a:rPr lang="en-US" sz="1400" b="1" dirty="0">
+                <a:solidFill>
+                  <a:schemeClr val="tx1">
+                    <a:lumMod val="85000"/>
+                    <a:lumOff val="15000"/>
+                  </a:schemeClr>
+                </a:solidFill>
+                <a:latin typeface="Courier New" pitchFamily="49" charset="0"/>
+                <a:cs typeface="Courier New" pitchFamily="49" charset="0"/>
+              </a:rPr>
+              <a:t>&lt;/name&gt;</a:t>
+            </a:r>
+          </a:p>
+          <a:p>
+            <a:pPr>
+              <a:buClr>
+                <a:schemeClr val="tx1">
+                  <a:lumMod val="85000"/>
+                  <a:lumOff val="15000"/>
+                </a:schemeClr>
+              </a:buClr>
+            </a:pPr>
+            <a:r>
+              <a:rPr lang="ru-RU" sz="1400" b="1" dirty="0" smtClean="0">
+                <a:solidFill>
+                  <a:schemeClr val="tx1">
+                    <a:lumMod val="85000"/>
+                    <a:lumOff val="15000"/>
+                  </a:schemeClr>
+                </a:solidFill>
+                <a:latin typeface="Courier New" pitchFamily="49" charset="0"/>
+                <a:cs typeface="Courier New" pitchFamily="49" charset="0"/>
+              </a:rPr>
+              <a:t>    </a:t>
+            </a:r>
+            <a:r>
+              <a:rPr lang="en-US" sz="1400" b="1" dirty="0" smtClean="0">
+                <a:solidFill>
+                  <a:schemeClr val="tx1">
+                    <a:lumMod val="85000"/>
+                    <a:lumOff val="15000"/>
+                  </a:schemeClr>
+                </a:solidFill>
+                <a:latin typeface="Courier New" pitchFamily="49" charset="0"/>
+                <a:cs typeface="Courier New" pitchFamily="49" charset="0"/>
+              </a:rPr>
+              <a:t>&lt;</a:t>
+            </a:r>
+            <a:r>
+              <a:rPr lang="en-US" sz="1400" b="1" dirty="0">
+                <a:solidFill>
+                  <a:schemeClr val="tx1">
+                    <a:lumMod val="85000"/>
+                    <a:lumOff val="15000"/>
+                  </a:schemeClr>
+                </a:solidFill>
+                <a:latin typeface="Courier New" pitchFamily="49" charset="0"/>
+                <a:cs typeface="Courier New" pitchFamily="49" charset="0"/>
+              </a:rPr>
+              <a:t>initial-context-factory</a:t>
+            </a:r>
+            <a:r>
+              <a:rPr lang="en-US" sz="1400" b="1" dirty="0" smtClean="0">
+                <a:solidFill>
+                  <a:schemeClr val="tx1">
+                    <a:lumMod val="85000"/>
+                    <a:lumOff val="15000"/>
+                  </a:schemeClr>
+                </a:solidFill>
+                <a:latin typeface="Courier New" pitchFamily="49" charset="0"/>
+                <a:cs typeface="Courier New" pitchFamily="49" charset="0"/>
+              </a:rPr>
+              <a:t>&gt;</a:t>
+            </a:r>
+            <a:endParaRPr lang="ru-RU" sz="1400" b="1" dirty="0" smtClean="0">
+              <a:solidFill>
+                <a:schemeClr val="tx1">
+                  <a:lumMod val="85000"/>
+                  <a:lumOff val="15000"/>
+                </a:schemeClr>
+              </a:solidFill>
+              <a:latin typeface="Courier New" pitchFamily="49" charset="0"/>
+              <a:cs typeface="Courier New" pitchFamily="49" charset="0"/>
+            </a:endParaRPr>
+          </a:p>
+          <a:p>
+            <a:pPr>
+              <a:buClr>
+                <a:schemeClr val="tx1">
+                  <a:lumMod val="85000"/>
+                  <a:lumOff val="15000"/>
+                </a:schemeClr>
+              </a:buClr>
+            </a:pPr>
+            <a:r>
+              <a:rPr lang="ru-RU" sz="1400" b="1" dirty="0">
+                <a:solidFill>
+                  <a:schemeClr val="tx1">
+                    <a:lumMod val="85000"/>
+                    <a:lumOff val="15000"/>
+                  </a:schemeClr>
+                </a:solidFill>
+                <a:latin typeface="Courier New" pitchFamily="49" charset="0"/>
+                <a:cs typeface="Courier New" pitchFamily="49" charset="0"/>
+              </a:rPr>
+              <a:t> </a:t>
+            </a:r>
+            <a:r>
+              <a:rPr lang="ru-RU" sz="1400" b="1" dirty="0" smtClean="0">
+                <a:solidFill>
+                  <a:schemeClr val="tx1">
+                    <a:lumMod val="85000"/>
+                    <a:lumOff val="15000"/>
+                  </a:schemeClr>
+                </a:solidFill>
+                <a:latin typeface="Courier New" pitchFamily="49" charset="0"/>
+                <a:cs typeface="Courier New" pitchFamily="49" charset="0"/>
+              </a:rPr>
+              <a:t>       </a:t>
+            </a:r>
+            <a:r>
+              <a:rPr lang="en-US" sz="1400" b="1" dirty="0" err="1" smtClean="0">
+                <a:solidFill>
+                  <a:schemeClr val="tx1">
+                    <a:lumMod val="85000"/>
+                    <a:lumOff val="15000"/>
+                  </a:schemeClr>
+                </a:solidFill>
+                <a:latin typeface="Courier New" pitchFamily="49" charset="0"/>
+                <a:cs typeface="Courier New" pitchFamily="49" charset="0"/>
+              </a:rPr>
+              <a:t>com.sun.jndi.fscontext.RefFSContextFactory</a:t>
+            </a:r>
+            <a:endParaRPr lang="ru-RU" sz="1400" b="1" dirty="0">
+              <a:solidFill>
+                <a:schemeClr val="tx1">
+                  <a:lumMod val="85000"/>
+                  <a:lumOff val="15000"/>
+                </a:schemeClr>
+              </a:solidFill>
+              <a:latin typeface="Courier New" pitchFamily="49" charset="0"/>
+              <a:cs typeface="Courier New" pitchFamily="49" charset="0"/>
+            </a:endParaRPr>
+          </a:p>
+          <a:p>
+            <a:pPr>
+              <a:buClr>
+                <a:schemeClr val="tx1">
+                  <a:lumMod val="85000"/>
+                  <a:lumOff val="15000"/>
+                </a:schemeClr>
+              </a:buClr>
+            </a:pPr>
+            <a:r>
+              <a:rPr lang="ru-RU" sz="1400" b="1" dirty="0" smtClean="0">
+                <a:solidFill>
+                  <a:schemeClr val="tx1">
+                    <a:lumMod val="85000"/>
+                    <a:lumOff val="15000"/>
+                  </a:schemeClr>
+                </a:solidFill>
+                <a:latin typeface="Courier New" pitchFamily="49" charset="0"/>
+                <a:cs typeface="Courier New" pitchFamily="49" charset="0"/>
+              </a:rPr>
+              <a:t>    </a:t>
+            </a:r>
+            <a:r>
+              <a:rPr lang="en-US" sz="1400" b="1" dirty="0" smtClean="0">
+                <a:solidFill>
+                  <a:schemeClr val="tx1">
+                    <a:lumMod val="85000"/>
+                    <a:lumOff val="15000"/>
+                  </a:schemeClr>
+                </a:solidFill>
+                <a:latin typeface="Courier New" pitchFamily="49" charset="0"/>
+                <a:cs typeface="Courier New" pitchFamily="49" charset="0"/>
+              </a:rPr>
+              <a:t>&lt;/</a:t>
+            </a:r>
+            <a:r>
+              <a:rPr lang="en-US" sz="1400" b="1" dirty="0">
+                <a:solidFill>
+                  <a:schemeClr val="tx1">
+                    <a:lumMod val="85000"/>
+                    <a:lumOff val="15000"/>
+                  </a:schemeClr>
+                </a:solidFill>
+                <a:latin typeface="Courier New" pitchFamily="49" charset="0"/>
+                <a:cs typeface="Courier New" pitchFamily="49" charset="0"/>
+              </a:rPr>
+              <a:t>initial-context-factory&gt;</a:t>
+            </a:r>
+          </a:p>
+          <a:p>
+            <a:pPr>
+              <a:buClr>
+                <a:schemeClr val="tx1">
+                  <a:lumMod val="85000"/>
+                  <a:lumOff val="15000"/>
+                </a:schemeClr>
+              </a:buClr>
+            </a:pPr>
+            <a:r>
+              <a:rPr lang="en-US" sz="1400" b="1" dirty="0">
+                <a:solidFill>
+                  <a:schemeClr val="tx1">
+                    <a:lumMod val="85000"/>
+                    <a:lumOff val="15000"/>
+                  </a:schemeClr>
+                </a:solidFill>
+                <a:latin typeface="Courier New" pitchFamily="49" charset="0"/>
+                <a:cs typeface="Courier New" pitchFamily="49" charset="0"/>
+              </a:rPr>
+              <a:t>    &lt;provider-</a:t>
+            </a:r>
+            <a:r>
+              <a:rPr lang="en-US" sz="1400" b="1" dirty="0" err="1">
+                <a:solidFill>
+                  <a:schemeClr val="tx1">
+                    <a:lumMod val="85000"/>
+                    <a:lumOff val="15000"/>
+                  </a:schemeClr>
+                </a:solidFill>
+                <a:latin typeface="Courier New" pitchFamily="49" charset="0"/>
+                <a:cs typeface="Courier New" pitchFamily="49" charset="0"/>
+              </a:rPr>
+              <a:t>url</a:t>
+            </a:r>
+            <a:r>
+              <a:rPr lang="en-US" sz="1400" b="1" dirty="0">
+                <a:solidFill>
+                  <a:schemeClr val="tx1">
+                    <a:lumMod val="85000"/>
+                    <a:lumOff val="15000"/>
+                  </a:schemeClr>
+                </a:solidFill>
+                <a:latin typeface="Courier New" pitchFamily="49" charset="0"/>
+                <a:cs typeface="Courier New" pitchFamily="49" charset="0"/>
+              </a:rPr>
+              <a:t>&gt;file:/C:/Works/wls.configs/jndi-tutorial&lt;/provider-url&gt;</a:t>
+            </a:r>
+          </a:p>
+          <a:p>
+            <a:pPr>
+              <a:buClr>
+                <a:schemeClr val="tx1">
+                  <a:lumMod val="85000"/>
+                  <a:lumOff val="15000"/>
+                </a:schemeClr>
+              </a:buClr>
+            </a:pPr>
+            <a:r>
+              <a:rPr lang="en-US" sz="1400" b="1" dirty="0">
+                <a:solidFill>
+                  <a:schemeClr val="tx1">
+                    <a:lumMod val="85000"/>
+                    <a:lumOff val="15000"/>
+                  </a:schemeClr>
+                </a:solidFill>
+                <a:latin typeface="Courier New" pitchFamily="49" charset="0"/>
+                <a:cs typeface="Courier New" pitchFamily="49" charset="0"/>
+              </a:rPr>
+              <a:t>    &lt;foreign-</a:t>
+            </a:r>
+            <a:r>
+              <a:rPr lang="en-US" sz="1400" b="1" dirty="0" err="1">
+                <a:solidFill>
+                  <a:schemeClr val="tx1">
+                    <a:lumMod val="85000"/>
+                    <a:lumOff val="15000"/>
+                  </a:schemeClr>
+                </a:solidFill>
+                <a:latin typeface="Courier New" pitchFamily="49" charset="0"/>
+                <a:cs typeface="Courier New" pitchFamily="49" charset="0"/>
+              </a:rPr>
+              <a:t>jndi</a:t>
+            </a:r>
+            <a:r>
+              <a:rPr lang="en-US" sz="1400" b="1" dirty="0">
+                <a:solidFill>
+                  <a:schemeClr val="tx1">
+                    <a:lumMod val="85000"/>
+                    <a:lumOff val="15000"/>
+                  </a:schemeClr>
+                </a:solidFill>
+                <a:latin typeface="Courier New" pitchFamily="49" charset="0"/>
+                <a:cs typeface="Courier New" pitchFamily="49" charset="0"/>
+              </a:rPr>
+              <a:t>-link&gt;</a:t>
+            </a:r>
+          </a:p>
+          <a:p>
+            <a:pPr>
+              <a:buClr>
+                <a:schemeClr val="tx1">
+                  <a:lumMod val="85000"/>
+                  <a:lumOff val="15000"/>
+                </a:schemeClr>
+              </a:buClr>
+            </a:pPr>
+            <a:r>
+              <a:rPr lang="en-US" sz="1400" b="1" dirty="0" smtClean="0">
+                <a:solidFill>
+                  <a:schemeClr val="tx1">
+                    <a:lumMod val="85000"/>
+                    <a:lumOff val="15000"/>
+                  </a:schemeClr>
+                </a:solidFill>
+                <a:latin typeface="Courier New" pitchFamily="49" charset="0"/>
+                <a:cs typeface="Courier New" pitchFamily="49" charset="0"/>
+              </a:rPr>
+              <a:t>      &lt;</a:t>
+            </a:r>
+            <a:r>
+              <a:rPr lang="en-US" sz="1400" b="1" dirty="0">
+                <a:solidFill>
+                  <a:schemeClr val="tx1">
+                    <a:lumMod val="85000"/>
+                    <a:lumOff val="15000"/>
+                  </a:schemeClr>
+                </a:solidFill>
+                <a:latin typeface="Courier New" pitchFamily="49" charset="0"/>
+                <a:cs typeface="Courier New" pitchFamily="49" charset="0"/>
+              </a:rPr>
+              <a:t>name&gt;</a:t>
+            </a:r>
+            <a:r>
+              <a:rPr lang="en-US" sz="1400" b="1" dirty="0" err="1">
+                <a:solidFill>
+                  <a:schemeClr val="tx1">
+                    <a:lumMod val="85000"/>
+                    <a:lumOff val="15000"/>
+                  </a:schemeClr>
+                </a:solidFill>
+                <a:latin typeface="Courier New" pitchFamily="49" charset="0"/>
+                <a:cs typeface="Courier New" pitchFamily="49" charset="0"/>
+              </a:rPr>
+              <a:t>ComfortableTemperature</a:t>
+            </a:r>
+            <a:r>
+              <a:rPr lang="en-US" sz="1400" b="1" dirty="0">
+                <a:solidFill>
+                  <a:schemeClr val="tx1">
+                    <a:lumMod val="85000"/>
+                    <a:lumOff val="15000"/>
+                  </a:schemeClr>
+                </a:solidFill>
+                <a:latin typeface="Courier New" pitchFamily="49" charset="0"/>
+                <a:cs typeface="Courier New" pitchFamily="49" charset="0"/>
+              </a:rPr>
+              <a:t>&lt;/name&gt;</a:t>
+            </a:r>
+          </a:p>
+          <a:p>
+            <a:pPr>
+              <a:buClr>
+                <a:schemeClr val="tx1">
+                  <a:lumMod val="85000"/>
+                  <a:lumOff val="15000"/>
+                </a:schemeClr>
+              </a:buClr>
+            </a:pPr>
+            <a:r>
+              <a:rPr lang="en-US" sz="1400" b="1" dirty="0">
+                <a:solidFill>
+                  <a:schemeClr val="tx1">
+                    <a:lumMod val="85000"/>
+                    <a:lumOff val="15000"/>
+                  </a:schemeClr>
+                </a:solidFill>
+                <a:latin typeface="Courier New" pitchFamily="49" charset="0"/>
+                <a:cs typeface="Courier New" pitchFamily="49" charset="0"/>
+              </a:rPr>
+              <a:t>      &lt;local-</a:t>
+            </a:r>
+            <a:r>
+              <a:rPr lang="en-US" sz="1400" b="1" dirty="0" err="1">
+                <a:solidFill>
+                  <a:schemeClr val="tx1">
+                    <a:lumMod val="85000"/>
+                    <a:lumOff val="15000"/>
+                  </a:schemeClr>
+                </a:solidFill>
+                <a:latin typeface="Courier New" pitchFamily="49" charset="0"/>
+                <a:cs typeface="Courier New" pitchFamily="49" charset="0"/>
+              </a:rPr>
+              <a:t>jndi</a:t>
+            </a:r>
+            <a:r>
+              <a:rPr lang="en-US" sz="1400" b="1" dirty="0">
+                <a:solidFill>
+                  <a:schemeClr val="tx1">
+                    <a:lumMod val="85000"/>
+                    <a:lumOff val="15000"/>
+                  </a:schemeClr>
+                </a:solidFill>
+                <a:latin typeface="Courier New" pitchFamily="49" charset="0"/>
+                <a:cs typeface="Courier New" pitchFamily="49" charset="0"/>
+              </a:rPr>
+              <a:t>-name&gt;</a:t>
+            </a:r>
+            <a:r>
+              <a:rPr lang="en-US" sz="1400" b="1" dirty="0" err="1">
+                <a:solidFill>
+                  <a:schemeClr val="tx1">
+                    <a:lumMod val="85000"/>
+                    <a:lumOff val="15000"/>
+                  </a:schemeClr>
+                </a:solidFill>
+                <a:latin typeface="Courier New" pitchFamily="49" charset="0"/>
+                <a:cs typeface="Courier New" pitchFamily="49" charset="0"/>
+              </a:rPr>
+              <a:t>cfg</a:t>
+            </a:r>
+            <a:r>
+              <a:rPr lang="en-US" sz="1400" b="1" dirty="0">
+                <a:solidFill>
+                  <a:schemeClr val="tx1">
+                    <a:lumMod val="85000"/>
+                    <a:lumOff val="15000"/>
+                  </a:schemeClr>
+                </a:solidFill>
+                <a:latin typeface="Courier New" pitchFamily="49" charset="0"/>
+                <a:cs typeface="Courier New" pitchFamily="49" charset="0"/>
+              </a:rPr>
+              <a:t>/</a:t>
+            </a:r>
+            <a:r>
+              <a:rPr lang="en-US" sz="1400" b="1" dirty="0" err="1">
+                <a:solidFill>
+                  <a:schemeClr val="tx1">
+                    <a:lumMod val="85000"/>
+                    <a:lumOff val="15000"/>
+                  </a:schemeClr>
+                </a:solidFill>
+                <a:latin typeface="Courier New" pitchFamily="49" charset="0"/>
+                <a:cs typeface="Courier New" pitchFamily="49" charset="0"/>
+              </a:rPr>
+              <a:t>Config</a:t>
+            </a:r>
+            <a:r>
+              <a:rPr lang="en-US" sz="1400" b="1" dirty="0">
+                <a:solidFill>
+                  <a:schemeClr val="tx1">
+                    <a:lumMod val="85000"/>
+                    <a:lumOff val="15000"/>
+                  </a:schemeClr>
+                </a:solidFill>
+                <a:latin typeface="Courier New" pitchFamily="49" charset="0"/>
+                <a:cs typeface="Courier New" pitchFamily="49" charset="0"/>
+              </a:rPr>
+              <a:t>/</a:t>
+            </a:r>
+            <a:r>
+              <a:rPr lang="en-US" sz="1400" b="1" dirty="0" err="1">
+                <a:solidFill>
+                  <a:schemeClr val="tx1">
+                    <a:lumMod val="85000"/>
+                    <a:lumOff val="15000"/>
+                  </a:schemeClr>
+                </a:solidFill>
+                <a:latin typeface="Courier New" pitchFamily="49" charset="0"/>
+                <a:cs typeface="Courier New" pitchFamily="49" charset="0"/>
+              </a:rPr>
+              <a:t>ComfortableTemperature</a:t>
+            </a:r>
+            <a:r>
+              <a:rPr lang="en-US" sz="1400" b="1" dirty="0">
+                <a:solidFill>
+                  <a:schemeClr val="tx1">
+                    <a:lumMod val="85000"/>
+                    <a:lumOff val="15000"/>
+                  </a:schemeClr>
+                </a:solidFill>
+                <a:latin typeface="Courier New" pitchFamily="49" charset="0"/>
+                <a:cs typeface="Courier New" pitchFamily="49" charset="0"/>
+              </a:rPr>
+              <a:t>&lt;/local-</a:t>
+            </a:r>
+            <a:r>
+              <a:rPr lang="en-US" sz="1400" b="1" dirty="0" err="1">
+                <a:solidFill>
+                  <a:schemeClr val="tx1">
+                    <a:lumMod val="85000"/>
+                    <a:lumOff val="15000"/>
+                  </a:schemeClr>
+                </a:solidFill>
+                <a:latin typeface="Courier New" pitchFamily="49" charset="0"/>
+                <a:cs typeface="Courier New" pitchFamily="49" charset="0"/>
+              </a:rPr>
+              <a:t>jndi</a:t>
+            </a:r>
+            <a:r>
+              <a:rPr lang="en-US" sz="1400" b="1" dirty="0">
+                <a:solidFill>
+                  <a:schemeClr val="tx1">
+                    <a:lumMod val="85000"/>
+                    <a:lumOff val="15000"/>
+                  </a:schemeClr>
+                </a:solidFill>
+                <a:latin typeface="Courier New" pitchFamily="49" charset="0"/>
+                <a:cs typeface="Courier New" pitchFamily="49" charset="0"/>
+              </a:rPr>
+              <a:t>-name&gt;</a:t>
+            </a:r>
+          </a:p>
+          <a:p>
+            <a:pPr>
+              <a:buClr>
+                <a:schemeClr val="tx1">
+                  <a:lumMod val="85000"/>
+                  <a:lumOff val="15000"/>
+                </a:schemeClr>
+              </a:buClr>
+            </a:pPr>
+            <a:r>
+              <a:rPr lang="en-US" sz="1400" b="1" dirty="0">
+                <a:solidFill>
+                  <a:schemeClr val="tx1">
+                    <a:lumMod val="85000"/>
+                    <a:lumOff val="15000"/>
+                  </a:schemeClr>
+                </a:solidFill>
+                <a:latin typeface="Courier New" pitchFamily="49" charset="0"/>
+                <a:cs typeface="Courier New" pitchFamily="49" charset="0"/>
+              </a:rPr>
+              <a:t>      &lt;remote-</a:t>
+            </a:r>
+            <a:r>
+              <a:rPr lang="en-US" sz="1400" b="1" dirty="0" err="1">
+                <a:solidFill>
+                  <a:schemeClr val="tx1">
+                    <a:lumMod val="85000"/>
+                    <a:lumOff val="15000"/>
+                  </a:schemeClr>
+                </a:solidFill>
+                <a:latin typeface="Courier New" pitchFamily="49" charset="0"/>
+                <a:cs typeface="Courier New" pitchFamily="49" charset="0"/>
+              </a:rPr>
+              <a:t>jndi</a:t>
+            </a:r>
+            <a:r>
+              <a:rPr lang="en-US" sz="1400" b="1" dirty="0">
+                <a:solidFill>
+                  <a:schemeClr val="tx1">
+                    <a:lumMod val="85000"/>
+                    <a:lumOff val="15000"/>
+                  </a:schemeClr>
+                </a:solidFill>
+                <a:latin typeface="Courier New" pitchFamily="49" charset="0"/>
+                <a:cs typeface="Courier New" pitchFamily="49" charset="0"/>
+              </a:rPr>
+              <a:t>-name&gt;</a:t>
+            </a:r>
+            <a:r>
+              <a:rPr lang="en-US" sz="1400" b="1" dirty="0" err="1">
+                <a:solidFill>
+                  <a:schemeClr val="tx1">
+                    <a:lumMod val="85000"/>
+                    <a:lumOff val="15000"/>
+                  </a:schemeClr>
+                </a:solidFill>
+                <a:latin typeface="Courier New" pitchFamily="49" charset="0"/>
+                <a:cs typeface="Courier New" pitchFamily="49" charset="0"/>
+              </a:rPr>
+              <a:t>Config</a:t>
+            </a:r>
+            <a:r>
+              <a:rPr lang="en-US" sz="1400" b="1" dirty="0">
+                <a:solidFill>
+                  <a:schemeClr val="tx1">
+                    <a:lumMod val="85000"/>
+                    <a:lumOff val="15000"/>
+                  </a:schemeClr>
+                </a:solidFill>
+                <a:latin typeface="Courier New" pitchFamily="49" charset="0"/>
+                <a:cs typeface="Courier New" pitchFamily="49" charset="0"/>
+              </a:rPr>
+              <a:t>/</a:t>
+            </a:r>
+            <a:r>
+              <a:rPr lang="en-US" sz="1400" b="1" dirty="0" err="1">
+                <a:solidFill>
+                  <a:schemeClr val="tx1">
+                    <a:lumMod val="85000"/>
+                    <a:lumOff val="15000"/>
+                  </a:schemeClr>
+                </a:solidFill>
+                <a:latin typeface="Courier New" pitchFamily="49" charset="0"/>
+                <a:cs typeface="Courier New" pitchFamily="49" charset="0"/>
+              </a:rPr>
+              <a:t>comfortableTemperature</a:t>
+            </a:r>
+            <a:r>
+              <a:rPr lang="en-US" sz="1400" b="1" dirty="0">
+                <a:solidFill>
+                  <a:schemeClr val="tx1">
+                    <a:lumMod val="85000"/>
+                    <a:lumOff val="15000"/>
+                  </a:schemeClr>
+                </a:solidFill>
+                <a:latin typeface="Courier New" pitchFamily="49" charset="0"/>
+                <a:cs typeface="Courier New" pitchFamily="49" charset="0"/>
+              </a:rPr>
+              <a:t>&lt;/remote-</a:t>
+            </a:r>
+            <a:r>
+              <a:rPr lang="en-US" sz="1400" b="1" dirty="0" err="1">
+                <a:solidFill>
+                  <a:schemeClr val="tx1">
+                    <a:lumMod val="85000"/>
+                    <a:lumOff val="15000"/>
+                  </a:schemeClr>
+                </a:solidFill>
+                <a:latin typeface="Courier New" pitchFamily="49" charset="0"/>
+                <a:cs typeface="Courier New" pitchFamily="49" charset="0"/>
+              </a:rPr>
+              <a:t>jndi</a:t>
+            </a:r>
+            <a:r>
+              <a:rPr lang="en-US" sz="1400" b="1" dirty="0">
+                <a:solidFill>
+                  <a:schemeClr val="tx1">
+                    <a:lumMod val="85000"/>
+                    <a:lumOff val="15000"/>
+                  </a:schemeClr>
+                </a:solidFill>
+                <a:latin typeface="Courier New" pitchFamily="49" charset="0"/>
+                <a:cs typeface="Courier New" pitchFamily="49" charset="0"/>
+              </a:rPr>
+              <a:t>-name&gt;</a:t>
+            </a:r>
+          </a:p>
+          <a:p>
+            <a:pPr>
+              <a:buClr>
+                <a:schemeClr val="tx1">
+                  <a:lumMod val="85000"/>
+                  <a:lumOff val="15000"/>
+                </a:schemeClr>
+              </a:buClr>
+            </a:pPr>
+            <a:r>
+              <a:rPr lang="en-US" sz="1400" b="1" dirty="0">
+                <a:solidFill>
+                  <a:schemeClr val="tx1">
+                    <a:lumMod val="85000"/>
+                    <a:lumOff val="15000"/>
+                  </a:schemeClr>
+                </a:solidFill>
+                <a:latin typeface="Courier New" pitchFamily="49" charset="0"/>
+                <a:cs typeface="Courier New" pitchFamily="49" charset="0"/>
+              </a:rPr>
+              <a:t>    &lt;/foreign-</a:t>
+            </a:r>
+            <a:r>
+              <a:rPr lang="en-US" sz="1400" b="1" dirty="0" err="1">
+                <a:solidFill>
+                  <a:schemeClr val="tx1">
+                    <a:lumMod val="85000"/>
+                    <a:lumOff val="15000"/>
+                  </a:schemeClr>
+                </a:solidFill>
+                <a:latin typeface="Courier New" pitchFamily="49" charset="0"/>
+                <a:cs typeface="Courier New" pitchFamily="49" charset="0"/>
+              </a:rPr>
+              <a:t>jndi</a:t>
+            </a:r>
+            <a:r>
+              <a:rPr lang="en-US" sz="1400" b="1" dirty="0">
+                <a:solidFill>
+                  <a:schemeClr val="tx1">
+                    <a:lumMod val="85000"/>
+                    <a:lumOff val="15000"/>
+                  </a:schemeClr>
+                </a:solidFill>
+                <a:latin typeface="Courier New" pitchFamily="49" charset="0"/>
+                <a:cs typeface="Courier New" pitchFamily="49" charset="0"/>
+              </a:rPr>
+              <a:t>-link&gt;</a:t>
+            </a:r>
+          </a:p>
+          <a:p>
+            <a:pPr>
+              <a:buClr>
+                <a:schemeClr val="tx1">
+                  <a:lumMod val="85000"/>
+                  <a:lumOff val="15000"/>
+                </a:schemeClr>
+              </a:buClr>
+            </a:pPr>
+            <a:r>
+              <a:rPr lang="en-US" sz="1400" b="1" dirty="0" smtClean="0">
+                <a:solidFill>
+                  <a:schemeClr val="tx1">
+                    <a:lumMod val="85000"/>
+                    <a:lumOff val="15000"/>
+                  </a:schemeClr>
+                </a:solidFill>
+                <a:latin typeface="Courier New" pitchFamily="49" charset="0"/>
+                <a:cs typeface="Courier New" pitchFamily="49" charset="0"/>
+              </a:rPr>
+              <a:t>&lt;/</a:t>
+            </a:r>
+            <a:r>
+              <a:rPr lang="en-US" sz="1400" b="1" dirty="0">
+                <a:solidFill>
+                  <a:schemeClr val="tx1">
+                    <a:lumMod val="85000"/>
+                    <a:lumOff val="15000"/>
+                  </a:schemeClr>
+                </a:solidFill>
+                <a:latin typeface="Courier New" pitchFamily="49" charset="0"/>
+                <a:cs typeface="Courier New" pitchFamily="49" charset="0"/>
+              </a:rPr>
+              <a:t>foreign-</a:t>
+            </a:r>
+            <a:r>
+              <a:rPr lang="en-US" sz="1400" b="1" dirty="0" err="1">
+                <a:solidFill>
+                  <a:schemeClr val="tx1">
+                    <a:lumMod val="85000"/>
+                    <a:lumOff val="15000"/>
+                  </a:schemeClr>
+                </a:solidFill>
+                <a:latin typeface="Courier New" pitchFamily="49" charset="0"/>
+                <a:cs typeface="Courier New" pitchFamily="49" charset="0"/>
+              </a:rPr>
+              <a:t>jndi</a:t>
+            </a:r>
+            <a:r>
+              <a:rPr lang="en-US" sz="1400" b="1" dirty="0">
+                <a:solidFill>
+                  <a:schemeClr val="tx1">
+                    <a:lumMod val="85000"/>
+                    <a:lumOff val="15000"/>
+                  </a:schemeClr>
+                </a:solidFill>
+                <a:latin typeface="Courier New" pitchFamily="49" charset="0"/>
+                <a:cs typeface="Courier New" pitchFamily="49" charset="0"/>
+              </a:rPr>
+              <a:t>-provider&gt;</a:t>
+            </a:r>
+            <a:endParaRPr lang="en-US" sz="1400" b="1" dirty="0" smtClean="0">
+              <a:solidFill>
+                <a:schemeClr val="tx1">
+                  <a:lumMod val="85000"/>
+                  <a:lumOff val="15000"/>
+                </a:schemeClr>
+              </a:solidFill>
+              <a:latin typeface="Courier New" pitchFamily="49" charset="0"/>
+              <a:cs typeface="Courier New" pitchFamily="49" charset="0"/>
+            </a:endParaRPr>
+          </a:p>
+        </p:txBody>
+      </p:sp>
+    </p:spTree>
+    <p:extLst>
+      <p:ext uri="{BB962C8B-B14F-4D97-AF65-F5344CB8AC3E}">
+        <p14:creationId xmlns:p14="http://schemas.microsoft.com/office/powerpoint/2010/main" val="1419669192"/>
+      </p:ext>
+    </p:extLst>
+  </p:cSld>
+  <p:clrMapOvr>
+    <a:masterClrMapping/>
+  </p:clrMapOvr>
+  <p:timing>
+    <p:tnLst>
+      <p:par>
+        <p:cTn id="1" dur="indefinite" restart="never" nodeType="tmRoot"/>
+      </p:par>
+    </p:tnLst>
+  </p:timing>
+</p:sld>
+</file>
+
+<file path=ppt/slides/slide15.xml><?xml version="1.0" encoding="utf-8"?>
+<p:sld xmlns:a="http://schemas.openxmlformats.org/drawingml/2006/main" xmlns:r="http://schemas.openxmlformats.org/officeDocument/2006/relationships" xmlns:p="http://schemas.openxmlformats.org/presentationml/2006/main">
+  <p:cSld>
+    <p:spTree>
+      <p:nvGrpSpPr>
+        <p:cNvPr id="1" name=""/>
+        <p:cNvGrpSpPr/>
+        <p:nvPr/>
+      </p:nvGrpSpPr>
+      <p:grpSpPr>
+        <a:xfrm>
+          <a:off x="0" y="0"/>
+          <a:ext cx="0" cy="0"/>
+          <a:chOff x="0" y="0"/>
+          <a:chExt cx="0" cy="0"/>
+        </a:xfrm>
+      </p:grpSpPr>
+      <p:sp>
+        <p:nvSpPr>
+          <p:cNvPr id="2" name="Title 1"/>
+          <p:cNvSpPr>
+            <a:spLocks noGrp="1"/>
+          </p:cNvSpPr>
+          <p:nvPr>
+            <p:ph type="title"/>
+          </p:nvPr>
+        </p:nvSpPr>
+        <p:spPr>
+          <a:xfrm>
+            <a:off x="457200" y="274638"/>
+            <a:ext cx="8229600" cy="439718"/>
+          </a:xfrm>
+          <a:ln>
+            <a:noFill/>
+          </a:ln>
+        </p:spPr>
+        <p:txBody>
+          <a:bodyPr>
+            <a:normAutofit fontScale="90000"/>
+          </a:bodyPr>
+          <a:lstStyle/>
+          <a:p>
+            <a:pPr algn="l"/>
+            <a:r>
+              <a:rPr lang="en-US" sz="3200" dirty="0" smtClean="0"/>
+              <a:t>JNDI</a:t>
+            </a:r>
+            <a:endParaRPr lang="ru-RU" sz="3200" dirty="0"/>
+          </a:p>
+        </p:txBody>
+      </p:sp>
+      <p:cxnSp>
+        <p:nvCxnSpPr>
+          <p:cNvPr id="7" name="Straight Connector 6"/>
+          <p:cNvCxnSpPr/>
+          <p:nvPr/>
+        </p:nvCxnSpPr>
+        <p:spPr>
+          <a:xfrm>
+            <a:off x="428596" y="714356"/>
+            <a:ext cx="8286808" cy="1588"/>
+          </a:xfrm>
+          <a:prstGeom prst="line">
+            <a:avLst/>
+          </a:prstGeom>
+          <a:ln>
+            <a:solidFill>
+              <a:schemeClr val="tx1"/>
+            </a:solidFill>
+          </a:ln>
+        </p:spPr>
+        <p:style>
+          <a:lnRef idx="1">
+            <a:schemeClr val="accent1"/>
+          </a:lnRef>
+          <a:fillRef idx="0">
+            <a:schemeClr val="accent1"/>
+          </a:fillRef>
+          <a:effectRef idx="0">
+            <a:schemeClr val="accent1"/>
+          </a:effectRef>
+          <a:fontRef idx="minor">
+            <a:schemeClr val="tx1"/>
+          </a:fontRef>
+        </p:style>
+      </p:cxnSp>
+      <p:sp>
+        <p:nvSpPr>
+          <p:cNvPr id="10" name="TextBox 9"/>
+          <p:cNvSpPr txBox="1"/>
+          <p:nvPr/>
+        </p:nvSpPr>
+        <p:spPr>
+          <a:xfrm>
+            <a:off x="428596" y="1000108"/>
+            <a:ext cx="8286808" cy="2923877"/>
+          </a:xfrm>
+          <a:prstGeom prst="rect">
+            <a:avLst/>
+          </a:prstGeom>
+          <a:noFill/>
+        </p:spPr>
+        <p:txBody>
+          <a:bodyPr wrap="square" rtlCol="0">
+            <a:spAutoFit/>
+          </a:bodyPr>
+          <a:lstStyle/>
+          <a:p>
+            <a:pPr>
+              <a:buClr>
+                <a:schemeClr val="tx1">
+                  <a:lumMod val="85000"/>
+                  <a:lumOff val="15000"/>
+                </a:schemeClr>
+              </a:buClr>
+            </a:pPr>
+            <a:r>
+              <a:rPr lang="ru-RU" dirty="0" smtClean="0">
+                <a:solidFill>
+                  <a:schemeClr val="tx1">
+                    <a:lumMod val="85000"/>
+                    <a:lumOff val="15000"/>
+                  </a:schemeClr>
+                </a:solidFill>
+              </a:rPr>
+              <a:t>Теперь напишем классы, которые эти </a:t>
+            </a:r>
+            <a:r>
+              <a:rPr lang="en-US" dirty="0" smtClean="0">
+                <a:solidFill>
+                  <a:schemeClr val="tx1">
+                    <a:lumMod val="85000"/>
+                    <a:lumOff val="15000"/>
+                  </a:schemeClr>
+                </a:solidFill>
+              </a:rPr>
+              <a:t>JNDI </a:t>
+            </a:r>
+            <a:r>
+              <a:rPr lang="ru-RU" dirty="0" smtClean="0">
+                <a:solidFill>
+                  <a:schemeClr val="tx1">
+                    <a:lumMod val="85000"/>
+                    <a:lumOff val="15000"/>
+                  </a:schemeClr>
+                </a:solidFill>
+              </a:rPr>
+              <a:t>будут представлять у нас в коде</a:t>
+            </a:r>
+          </a:p>
+          <a:p>
+            <a:pPr>
+              <a:buClr>
+                <a:schemeClr val="tx1">
+                  <a:lumMod val="85000"/>
+                  <a:lumOff val="15000"/>
+                </a:schemeClr>
+              </a:buClr>
+            </a:pPr>
+            <a:endParaRPr lang="ru-RU" sz="1400" b="1" dirty="0">
+              <a:solidFill>
+                <a:schemeClr val="tx1">
+                  <a:lumMod val="85000"/>
+                  <a:lumOff val="15000"/>
+                </a:schemeClr>
+              </a:solidFill>
+              <a:latin typeface="Courier New" pitchFamily="49" charset="0"/>
+              <a:cs typeface="Courier New" pitchFamily="49" charset="0"/>
+            </a:endParaRPr>
+          </a:p>
+          <a:p>
+            <a:pPr>
+              <a:buClr>
+                <a:schemeClr val="tx1">
+                  <a:lumMod val="85000"/>
+                  <a:lumOff val="15000"/>
+                </a:schemeClr>
+              </a:buClr>
+            </a:pPr>
+            <a:r>
+              <a:rPr lang="ru-RU" sz="1400" b="1" dirty="0" smtClean="0">
+                <a:solidFill>
+                  <a:schemeClr val="tx1">
+                    <a:lumMod val="85000"/>
+                    <a:lumOff val="15000"/>
+                  </a:schemeClr>
+                </a:solidFill>
+                <a:latin typeface="Courier New" pitchFamily="49" charset="0"/>
+                <a:cs typeface="Courier New" pitchFamily="49" charset="0"/>
+              </a:rPr>
+              <a:t>См. </a:t>
+            </a:r>
+            <a:endParaRPr lang="en-US" sz="1400" b="1" dirty="0" smtClean="0">
+              <a:solidFill>
+                <a:schemeClr val="tx1">
+                  <a:lumMod val="85000"/>
+                  <a:lumOff val="15000"/>
+                </a:schemeClr>
+              </a:solidFill>
+              <a:latin typeface="Courier New" pitchFamily="49" charset="0"/>
+              <a:cs typeface="Courier New" pitchFamily="49" charset="0"/>
+            </a:endParaRPr>
+          </a:p>
+          <a:p>
+            <a:pPr>
+              <a:buClr>
+                <a:schemeClr val="tx1">
+                  <a:lumMod val="85000"/>
+                  <a:lumOff val="15000"/>
+                </a:schemeClr>
+              </a:buClr>
+            </a:pPr>
+            <a:r>
+              <a:rPr lang="en-US" sz="1400" b="1" dirty="0" err="1" smtClean="0">
+                <a:solidFill>
+                  <a:schemeClr val="tx1">
+                    <a:lumMod val="85000"/>
+                    <a:lumOff val="15000"/>
+                  </a:schemeClr>
+                </a:solidFill>
+                <a:latin typeface="Courier New" pitchFamily="49" charset="0"/>
+                <a:cs typeface="Courier New" pitchFamily="49" charset="0"/>
+              </a:rPr>
+              <a:t>ComfortableTemperature</a:t>
+            </a:r>
+            <a:endParaRPr lang="en-US" sz="1400" b="1" dirty="0" smtClean="0">
+              <a:solidFill>
+                <a:schemeClr val="tx1">
+                  <a:lumMod val="85000"/>
+                  <a:lumOff val="15000"/>
+                </a:schemeClr>
+              </a:solidFill>
+              <a:latin typeface="Courier New" pitchFamily="49" charset="0"/>
+              <a:cs typeface="Courier New" pitchFamily="49" charset="0"/>
+            </a:endParaRPr>
+          </a:p>
+          <a:p>
+            <a:pPr>
+              <a:buClr>
+                <a:schemeClr val="tx1">
+                  <a:lumMod val="85000"/>
+                  <a:lumOff val="15000"/>
+                </a:schemeClr>
+              </a:buClr>
+            </a:pPr>
+            <a:r>
+              <a:rPr lang="en-US" sz="1400" b="1" dirty="0" err="1" smtClean="0">
+                <a:solidFill>
+                  <a:schemeClr val="tx1">
+                    <a:lumMod val="85000"/>
+                    <a:lumOff val="15000"/>
+                  </a:schemeClr>
+                </a:solidFill>
+                <a:latin typeface="Courier New" pitchFamily="49" charset="0"/>
+                <a:cs typeface="Courier New" pitchFamily="49" charset="0"/>
+              </a:rPr>
+              <a:t>ComfortableTemperatureFactory</a:t>
+            </a:r>
+            <a:endParaRPr lang="ru-RU" sz="1400" b="1" dirty="0" smtClean="0">
+              <a:solidFill>
+                <a:schemeClr val="tx1">
+                  <a:lumMod val="85000"/>
+                  <a:lumOff val="15000"/>
+                </a:schemeClr>
+              </a:solidFill>
+              <a:latin typeface="Courier New" pitchFamily="49" charset="0"/>
+              <a:cs typeface="Courier New" pitchFamily="49" charset="0"/>
+            </a:endParaRPr>
+          </a:p>
+          <a:p>
+            <a:pPr>
+              <a:buClr>
+                <a:schemeClr val="tx1">
+                  <a:lumMod val="85000"/>
+                  <a:lumOff val="15000"/>
+                </a:schemeClr>
+              </a:buClr>
+            </a:pPr>
+            <a:endParaRPr lang="ru-RU" sz="1400" b="1" dirty="0">
+              <a:solidFill>
+                <a:schemeClr val="tx1">
+                  <a:lumMod val="85000"/>
+                  <a:lumOff val="15000"/>
+                </a:schemeClr>
+              </a:solidFill>
+              <a:latin typeface="Courier New" pitchFamily="49" charset="0"/>
+              <a:cs typeface="Courier New" pitchFamily="49" charset="0"/>
+            </a:endParaRPr>
+          </a:p>
+          <a:p>
+            <a:pPr>
+              <a:buClr>
+                <a:schemeClr val="tx1">
+                  <a:lumMod val="85000"/>
+                  <a:lumOff val="15000"/>
+                </a:schemeClr>
+              </a:buClr>
+            </a:pPr>
+            <a:r>
+              <a:rPr lang="ru-RU" dirty="0" smtClean="0">
+                <a:solidFill>
+                  <a:schemeClr val="tx1">
+                    <a:lumMod val="85000"/>
+                    <a:lumOff val="15000"/>
+                  </a:schemeClr>
+                </a:solidFill>
+              </a:rPr>
+              <a:t>А теперь класс который будет этим пользоваться</a:t>
+            </a:r>
+          </a:p>
+          <a:p>
+            <a:pPr>
+              <a:buClr>
+                <a:schemeClr val="tx1">
+                  <a:lumMod val="85000"/>
+                  <a:lumOff val="15000"/>
+                </a:schemeClr>
+              </a:buClr>
+            </a:pPr>
+            <a:endParaRPr lang="ru-RU" dirty="0">
+              <a:solidFill>
+                <a:schemeClr val="tx1">
+                  <a:lumMod val="85000"/>
+                  <a:lumOff val="15000"/>
+                </a:schemeClr>
+              </a:solidFill>
+            </a:endParaRPr>
+          </a:p>
+          <a:p>
+            <a:pPr>
+              <a:buClr>
+                <a:schemeClr val="tx1">
+                  <a:lumMod val="85000"/>
+                  <a:lumOff val="15000"/>
+                </a:schemeClr>
+              </a:buClr>
+            </a:pPr>
+            <a:r>
+              <a:rPr lang="ru-RU" sz="1400" b="1" dirty="0">
+                <a:solidFill>
+                  <a:schemeClr val="tx1">
+                    <a:lumMod val="85000"/>
+                    <a:lumOff val="15000"/>
+                  </a:schemeClr>
+                </a:solidFill>
+                <a:latin typeface="Courier New" pitchFamily="49" charset="0"/>
+                <a:cs typeface="Courier New" pitchFamily="49" charset="0"/>
+              </a:rPr>
+              <a:t>См. </a:t>
+            </a:r>
+            <a:endParaRPr lang="en-US" sz="1400" b="1" dirty="0">
+              <a:solidFill>
+                <a:schemeClr val="tx1">
+                  <a:lumMod val="85000"/>
+                  <a:lumOff val="15000"/>
+                </a:schemeClr>
+              </a:solidFill>
+              <a:latin typeface="Courier New" pitchFamily="49" charset="0"/>
+              <a:cs typeface="Courier New" pitchFamily="49" charset="0"/>
+            </a:endParaRPr>
+          </a:p>
+          <a:p>
+            <a:pPr>
+              <a:buClr>
+                <a:schemeClr val="tx1">
+                  <a:lumMod val="85000"/>
+                  <a:lumOff val="15000"/>
+                </a:schemeClr>
+              </a:buClr>
+            </a:pPr>
+            <a:r>
+              <a:rPr lang="en-US" sz="1400" b="1" dirty="0" err="1" smtClean="0">
+                <a:solidFill>
+                  <a:schemeClr val="tx1">
+                    <a:lumMod val="85000"/>
+                    <a:lumOff val="15000"/>
+                  </a:schemeClr>
+                </a:solidFill>
+                <a:latin typeface="Courier New" pitchFamily="49" charset="0"/>
+                <a:cs typeface="Courier New" pitchFamily="49" charset="0"/>
+              </a:rPr>
+              <a:t>GenericBean</a:t>
+            </a:r>
+            <a:endParaRPr lang="en-US" sz="1400" b="1" dirty="0">
+              <a:solidFill>
+                <a:schemeClr val="tx1">
+                  <a:lumMod val="85000"/>
+                  <a:lumOff val="15000"/>
+                </a:schemeClr>
+              </a:solidFill>
+              <a:latin typeface="Courier New" pitchFamily="49" charset="0"/>
+              <a:cs typeface="Courier New" pitchFamily="49" charset="0"/>
+            </a:endParaRPr>
+          </a:p>
+          <a:p>
+            <a:pPr>
+              <a:buClr>
+                <a:schemeClr val="tx1">
+                  <a:lumMod val="85000"/>
+                  <a:lumOff val="15000"/>
+                </a:schemeClr>
+              </a:buClr>
+            </a:pPr>
+            <a:endParaRPr lang="ru-RU" dirty="0">
+              <a:solidFill>
+                <a:schemeClr val="tx1">
+                  <a:lumMod val="85000"/>
+                  <a:lumOff val="15000"/>
+                </a:schemeClr>
+              </a:solidFill>
+            </a:endParaRPr>
+          </a:p>
+          <a:p>
+            <a:pPr>
+              <a:buClr>
+                <a:schemeClr val="tx1">
+                  <a:lumMod val="85000"/>
+                  <a:lumOff val="15000"/>
+                </a:schemeClr>
+              </a:buClr>
+            </a:pPr>
+            <a:endParaRPr lang="en-US" sz="1400" b="1" dirty="0" smtClean="0">
+              <a:solidFill>
+                <a:schemeClr val="tx1">
+                  <a:lumMod val="85000"/>
+                  <a:lumOff val="15000"/>
+                </a:schemeClr>
+              </a:solidFill>
+              <a:latin typeface="Courier New" pitchFamily="49" charset="0"/>
+              <a:cs typeface="Courier New" pitchFamily="49" charset="0"/>
+            </a:endParaRPr>
+          </a:p>
+        </p:txBody>
+      </p:sp>
+    </p:spTree>
+    <p:extLst>
+      <p:ext uri="{BB962C8B-B14F-4D97-AF65-F5344CB8AC3E}">
+        <p14:creationId xmlns:p14="http://schemas.microsoft.com/office/powerpoint/2010/main" val="2990355597"/>
+      </p:ext>
+    </p:extLst>
+  </p:cSld>
+  <p:clrMapOvr>
+    <a:masterClrMapping/>
+  </p:clrMapOvr>
+  <p:timing>
+    <p:tnLst>
+      <p:par>
+        <p:cTn id="1" dur="indefinite" restart="never" nodeType="tmRoot"/>
+      </p:par>
+    </p:tnLst>
+  </p:timing>
+</p:sld>
+</file>
+
+<file path=ppt/slides/slide16.xml><?xml version="1.0" encoding="utf-8"?>
+<p:sld xmlns:a="http://schemas.openxmlformats.org/drawingml/2006/main" xmlns:r="http://schemas.openxmlformats.org/officeDocument/2006/relationships" xmlns:p="http://schemas.openxmlformats.org/presentationml/2006/main">
+  <p:cSld>
+    <p:spTree>
+      <p:nvGrpSpPr>
+        <p:cNvPr id="1" name=""/>
+        <p:cNvGrpSpPr/>
+        <p:nvPr/>
+      </p:nvGrpSpPr>
+      <p:grpSpPr>
+        <a:xfrm>
+          <a:off x="0" y="0"/>
+          <a:ext cx="0" cy="0"/>
+          <a:chOff x="0" y="0"/>
+          <a:chExt cx="0" cy="0"/>
+        </a:xfrm>
+      </p:grpSpPr>
+      <p:sp>
+        <p:nvSpPr>
+          <p:cNvPr id="2" name="Title 1"/>
+          <p:cNvSpPr>
+            <a:spLocks noGrp="1"/>
+          </p:cNvSpPr>
+          <p:nvPr>
+            <p:ph type="title"/>
+          </p:nvPr>
+        </p:nvSpPr>
+        <p:spPr>
+          <a:xfrm>
+            <a:off x="457200" y="274638"/>
+            <a:ext cx="8229600" cy="439718"/>
+          </a:xfrm>
+          <a:ln>
+            <a:noFill/>
+          </a:ln>
+        </p:spPr>
+        <p:txBody>
+          <a:bodyPr>
+            <a:normAutofit fontScale="90000"/>
+          </a:bodyPr>
+          <a:lstStyle/>
+          <a:p>
+            <a:pPr algn="l"/>
+            <a:r>
+              <a:rPr lang="en-US" sz="3200" dirty="0" smtClean="0"/>
+              <a:t>JNDI</a:t>
+            </a:r>
+            <a:endParaRPr lang="ru-RU" sz="3200" dirty="0"/>
+          </a:p>
+        </p:txBody>
+      </p:sp>
+      <p:cxnSp>
+        <p:nvCxnSpPr>
+          <p:cNvPr id="7" name="Straight Connector 6"/>
+          <p:cNvCxnSpPr/>
+          <p:nvPr/>
+        </p:nvCxnSpPr>
+        <p:spPr>
+          <a:xfrm>
+            <a:off x="428596" y="714356"/>
+            <a:ext cx="8286808" cy="1588"/>
+          </a:xfrm>
+          <a:prstGeom prst="line">
+            <a:avLst/>
+          </a:prstGeom>
+          <a:ln>
+            <a:solidFill>
+              <a:schemeClr val="tx1"/>
+            </a:solidFill>
+          </a:ln>
+        </p:spPr>
+        <p:style>
+          <a:lnRef idx="1">
+            <a:schemeClr val="accent1"/>
+          </a:lnRef>
+          <a:fillRef idx="0">
+            <a:schemeClr val="accent1"/>
+          </a:fillRef>
+          <a:effectRef idx="0">
+            <a:schemeClr val="accent1"/>
+          </a:effectRef>
+          <a:fontRef idx="minor">
+            <a:schemeClr val="tx1"/>
+          </a:fontRef>
+        </p:style>
+      </p:cxnSp>
+      <p:sp>
+        <p:nvSpPr>
+          <p:cNvPr id="10" name="TextBox 9"/>
+          <p:cNvSpPr txBox="1"/>
+          <p:nvPr/>
+        </p:nvSpPr>
+        <p:spPr>
+          <a:xfrm>
+            <a:off x="461656" y="1000108"/>
+            <a:ext cx="8286808" cy="4678204"/>
+          </a:xfrm>
+          <a:prstGeom prst="rect">
+            <a:avLst/>
+          </a:prstGeom>
+          <a:noFill/>
+        </p:spPr>
+        <p:txBody>
+          <a:bodyPr wrap="square" rtlCol="0">
+            <a:spAutoFit/>
+          </a:bodyPr>
+          <a:lstStyle/>
+          <a:p>
+            <a:pPr>
+              <a:buClr>
+                <a:schemeClr val="tx1">
+                  <a:lumMod val="85000"/>
+                  <a:lumOff val="15000"/>
+                </a:schemeClr>
+              </a:buClr>
+            </a:pPr>
+            <a:r>
+              <a:rPr lang="ru-RU" dirty="0" smtClean="0">
+                <a:solidFill>
+                  <a:schemeClr val="tx1">
+                    <a:lumMod val="85000"/>
+                    <a:lumOff val="15000"/>
+                  </a:schemeClr>
+                </a:solidFill>
+              </a:rPr>
+              <a:t>Ну и соответственно зададим все это дело в бобах</a:t>
+            </a:r>
+          </a:p>
+          <a:p>
+            <a:pPr>
+              <a:buClr>
+                <a:schemeClr val="tx1">
+                  <a:lumMod val="85000"/>
+                  <a:lumOff val="15000"/>
+                </a:schemeClr>
+              </a:buClr>
+            </a:pPr>
+            <a:endParaRPr lang="ru-RU" sz="1400" b="1" dirty="0">
+              <a:solidFill>
+                <a:schemeClr val="tx1">
+                  <a:lumMod val="85000"/>
+                  <a:lumOff val="15000"/>
+                </a:schemeClr>
+              </a:solidFill>
+              <a:latin typeface="Courier New" pitchFamily="49" charset="0"/>
+              <a:cs typeface="Courier New" pitchFamily="49" charset="0"/>
+            </a:endParaRPr>
+          </a:p>
+          <a:p>
+            <a:pPr>
+              <a:buClr>
+                <a:schemeClr val="tx1">
+                  <a:lumMod val="85000"/>
+                  <a:lumOff val="15000"/>
+                </a:schemeClr>
+              </a:buClr>
+            </a:pPr>
+            <a:r>
+              <a:rPr lang="en-US" sz="1400" b="1" dirty="0" smtClean="0">
+                <a:solidFill>
+                  <a:schemeClr val="tx1">
+                    <a:lumMod val="85000"/>
+                    <a:lumOff val="15000"/>
+                  </a:schemeClr>
+                </a:solidFill>
+                <a:latin typeface="Courier New" pitchFamily="49" charset="0"/>
+                <a:cs typeface="Courier New" pitchFamily="49" charset="0"/>
+              </a:rPr>
+              <a:t>&lt;!--</a:t>
+            </a:r>
+          </a:p>
+          <a:p>
+            <a:pPr>
+              <a:buClr>
+                <a:schemeClr val="tx1">
+                  <a:lumMod val="85000"/>
+                  <a:lumOff val="15000"/>
+                </a:schemeClr>
+              </a:buClr>
+            </a:pPr>
+            <a:r>
+              <a:rPr lang="en-US" sz="1400" b="1" dirty="0" smtClean="0">
+                <a:solidFill>
+                  <a:schemeClr val="tx1">
+                    <a:lumMod val="85000"/>
+                    <a:lumOff val="15000"/>
+                  </a:schemeClr>
+                </a:solidFill>
+                <a:latin typeface="Courier New" pitchFamily="49" charset="0"/>
+                <a:cs typeface="Courier New" pitchFamily="49" charset="0"/>
+              </a:rPr>
+              <a:t>&lt;</a:t>
+            </a:r>
+            <a:r>
+              <a:rPr lang="en-US" sz="1400" b="1" dirty="0" err="1" smtClean="0">
+                <a:solidFill>
+                  <a:schemeClr val="tx1">
+                    <a:lumMod val="85000"/>
+                    <a:lumOff val="15000"/>
+                  </a:schemeClr>
+                </a:solidFill>
+                <a:latin typeface="Courier New" pitchFamily="49" charset="0"/>
+                <a:cs typeface="Courier New" pitchFamily="49" charset="0"/>
+              </a:rPr>
+              <a:t>jee:jndi-lookup</a:t>
+            </a:r>
+            <a:r>
+              <a:rPr lang="en-US" sz="1400" b="1" dirty="0" smtClean="0">
+                <a:solidFill>
+                  <a:schemeClr val="tx1">
+                    <a:lumMod val="85000"/>
+                    <a:lumOff val="15000"/>
+                  </a:schemeClr>
+                </a:solidFill>
+                <a:latin typeface="Courier New" pitchFamily="49" charset="0"/>
+                <a:cs typeface="Courier New" pitchFamily="49" charset="0"/>
+              </a:rPr>
+              <a:t> </a:t>
+            </a:r>
+          </a:p>
+          <a:p>
+            <a:pPr>
+              <a:buClr>
+                <a:schemeClr val="tx1">
+                  <a:lumMod val="85000"/>
+                  <a:lumOff val="15000"/>
+                </a:schemeClr>
+              </a:buClr>
+            </a:pPr>
+            <a:r>
+              <a:rPr lang="en-US" sz="1400" b="1" dirty="0" smtClean="0">
+                <a:solidFill>
+                  <a:schemeClr val="tx1">
+                    <a:lumMod val="85000"/>
+                    <a:lumOff val="15000"/>
+                  </a:schemeClr>
+                </a:solidFill>
+                <a:latin typeface="Courier New" pitchFamily="49" charset="0"/>
+                <a:cs typeface="Courier New" pitchFamily="49" charset="0"/>
+              </a:rPr>
+              <a:t>    id</a:t>
+            </a:r>
+            <a:r>
+              <a:rPr lang="en-US" sz="1400" b="1" dirty="0">
+                <a:solidFill>
+                  <a:schemeClr val="tx1">
+                    <a:lumMod val="85000"/>
+                    <a:lumOff val="15000"/>
+                  </a:schemeClr>
+                </a:solidFill>
+                <a:latin typeface="Courier New" pitchFamily="49" charset="0"/>
+                <a:cs typeface="Courier New" pitchFamily="49" charset="0"/>
+              </a:rPr>
+              <a:t>="</a:t>
+            </a:r>
+            <a:r>
+              <a:rPr lang="en-US" sz="1400" b="1" dirty="0" err="1">
+                <a:solidFill>
+                  <a:schemeClr val="tx1">
+                    <a:lumMod val="85000"/>
+                    <a:lumOff val="15000"/>
+                  </a:schemeClr>
+                </a:solidFill>
+                <a:latin typeface="Courier New" pitchFamily="49" charset="0"/>
+                <a:cs typeface="Courier New" pitchFamily="49" charset="0"/>
+              </a:rPr>
+              <a:t>comfortableTemperature</a:t>
+            </a:r>
+            <a:r>
+              <a:rPr lang="en-US" sz="1400" b="1" dirty="0">
+                <a:solidFill>
+                  <a:schemeClr val="tx1">
+                    <a:lumMod val="85000"/>
+                    <a:lumOff val="15000"/>
+                  </a:schemeClr>
+                </a:solidFill>
+                <a:latin typeface="Courier New" pitchFamily="49" charset="0"/>
+                <a:cs typeface="Courier New" pitchFamily="49" charset="0"/>
+              </a:rPr>
+              <a:t>" </a:t>
+            </a:r>
+            <a:endParaRPr lang="en-US" sz="1400" b="1" dirty="0" smtClean="0">
+              <a:solidFill>
+                <a:schemeClr val="tx1">
+                  <a:lumMod val="85000"/>
+                  <a:lumOff val="15000"/>
+                </a:schemeClr>
+              </a:solidFill>
+              <a:latin typeface="Courier New" pitchFamily="49" charset="0"/>
+              <a:cs typeface="Courier New" pitchFamily="49" charset="0"/>
+            </a:endParaRPr>
+          </a:p>
+          <a:p>
+            <a:pPr>
+              <a:buClr>
+                <a:schemeClr val="tx1">
+                  <a:lumMod val="85000"/>
+                  <a:lumOff val="15000"/>
+                </a:schemeClr>
+              </a:buClr>
+            </a:pPr>
+            <a:r>
+              <a:rPr lang="en-US" sz="1400" b="1" dirty="0" smtClean="0">
+                <a:solidFill>
+                  <a:schemeClr val="tx1">
+                    <a:lumMod val="85000"/>
+                    <a:lumOff val="15000"/>
+                  </a:schemeClr>
+                </a:solidFill>
+                <a:latin typeface="Courier New" pitchFamily="49" charset="0"/>
+                <a:cs typeface="Courier New" pitchFamily="49" charset="0"/>
+              </a:rPr>
+              <a:t>    </a:t>
+            </a:r>
+            <a:r>
+              <a:rPr lang="en-US" sz="1400" b="1" dirty="0" err="1" smtClean="0">
+                <a:solidFill>
+                  <a:schemeClr val="tx1">
+                    <a:lumMod val="85000"/>
+                    <a:lumOff val="15000"/>
+                  </a:schemeClr>
+                </a:solidFill>
+                <a:latin typeface="Courier New" pitchFamily="49" charset="0"/>
+                <a:cs typeface="Courier New" pitchFamily="49" charset="0"/>
+              </a:rPr>
+              <a:t>jndi</a:t>
+            </a:r>
+            <a:r>
+              <a:rPr lang="en-US" sz="1400" b="1" dirty="0" smtClean="0">
+                <a:solidFill>
+                  <a:schemeClr val="tx1">
+                    <a:lumMod val="85000"/>
+                    <a:lumOff val="15000"/>
+                  </a:schemeClr>
+                </a:solidFill>
+                <a:latin typeface="Courier New" pitchFamily="49" charset="0"/>
+                <a:cs typeface="Courier New" pitchFamily="49" charset="0"/>
+              </a:rPr>
+              <a:t>-name</a:t>
+            </a:r>
+            <a:r>
+              <a:rPr lang="en-US" sz="1400" b="1" dirty="0">
+                <a:solidFill>
+                  <a:schemeClr val="tx1">
+                    <a:lumMod val="85000"/>
+                    <a:lumOff val="15000"/>
+                  </a:schemeClr>
+                </a:solidFill>
+                <a:latin typeface="Courier New" pitchFamily="49" charset="0"/>
+                <a:cs typeface="Courier New" pitchFamily="49" charset="0"/>
+              </a:rPr>
+              <a:t>="</a:t>
+            </a:r>
+            <a:r>
+              <a:rPr lang="en-US" sz="1400" b="1" dirty="0" err="1">
+                <a:solidFill>
+                  <a:schemeClr val="tx1">
+                    <a:lumMod val="85000"/>
+                    <a:lumOff val="15000"/>
+                  </a:schemeClr>
+                </a:solidFill>
+                <a:latin typeface="Courier New" pitchFamily="49" charset="0"/>
+                <a:cs typeface="Courier New" pitchFamily="49" charset="0"/>
+              </a:rPr>
+              <a:t>cfg</a:t>
+            </a:r>
+            <a:r>
+              <a:rPr lang="en-US" sz="1400" b="1" dirty="0">
+                <a:solidFill>
+                  <a:schemeClr val="tx1">
+                    <a:lumMod val="85000"/>
+                    <a:lumOff val="15000"/>
+                  </a:schemeClr>
+                </a:solidFill>
+                <a:latin typeface="Courier New" pitchFamily="49" charset="0"/>
+                <a:cs typeface="Courier New" pitchFamily="49" charset="0"/>
+              </a:rPr>
+              <a:t>/</a:t>
+            </a:r>
+            <a:r>
+              <a:rPr lang="en-US" sz="1400" b="1" dirty="0" err="1">
+                <a:solidFill>
+                  <a:schemeClr val="tx1">
+                    <a:lumMod val="85000"/>
+                    <a:lumOff val="15000"/>
+                  </a:schemeClr>
+                </a:solidFill>
+                <a:latin typeface="Courier New" pitchFamily="49" charset="0"/>
+                <a:cs typeface="Courier New" pitchFamily="49" charset="0"/>
+              </a:rPr>
+              <a:t>Config</a:t>
+            </a:r>
+            <a:r>
+              <a:rPr lang="en-US" sz="1400" b="1" dirty="0">
+                <a:solidFill>
+                  <a:schemeClr val="tx1">
+                    <a:lumMod val="85000"/>
+                    <a:lumOff val="15000"/>
+                  </a:schemeClr>
+                </a:solidFill>
+                <a:latin typeface="Courier New" pitchFamily="49" charset="0"/>
+                <a:cs typeface="Courier New" pitchFamily="49" charset="0"/>
+              </a:rPr>
+              <a:t>/</a:t>
+            </a:r>
+            <a:r>
+              <a:rPr lang="en-US" sz="1400" b="1" dirty="0" err="1">
+                <a:solidFill>
+                  <a:schemeClr val="tx1">
+                    <a:lumMod val="85000"/>
+                    <a:lumOff val="15000"/>
+                  </a:schemeClr>
+                </a:solidFill>
+                <a:latin typeface="Courier New" pitchFamily="49" charset="0"/>
+                <a:cs typeface="Courier New" pitchFamily="49" charset="0"/>
+              </a:rPr>
+              <a:t>ComfortableTemperature</a:t>
+            </a:r>
+            <a:r>
+              <a:rPr lang="en-US" sz="1400" b="1" dirty="0">
+                <a:solidFill>
+                  <a:schemeClr val="tx1">
+                    <a:lumMod val="85000"/>
+                    <a:lumOff val="15000"/>
+                  </a:schemeClr>
+                </a:solidFill>
+                <a:latin typeface="Courier New" pitchFamily="49" charset="0"/>
+                <a:cs typeface="Courier New" pitchFamily="49" charset="0"/>
+              </a:rPr>
+              <a:t>" </a:t>
+            </a:r>
+            <a:r>
+              <a:rPr lang="en-US" sz="1400" b="1" dirty="0" smtClean="0">
+                <a:solidFill>
+                  <a:schemeClr val="tx1">
+                    <a:lumMod val="85000"/>
+                    <a:lumOff val="15000"/>
+                  </a:schemeClr>
+                </a:solidFill>
+                <a:latin typeface="Courier New" pitchFamily="49" charset="0"/>
+                <a:cs typeface="Courier New" pitchFamily="49" charset="0"/>
+              </a:rPr>
+              <a:t>/&gt;</a:t>
+            </a:r>
+          </a:p>
+          <a:p>
+            <a:pPr>
+              <a:buClr>
+                <a:schemeClr val="tx1">
+                  <a:lumMod val="85000"/>
+                  <a:lumOff val="15000"/>
+                </a:schemeClr>
+              </a:buClr>
+            </a:pPr>
+            <a:r>
+              <a:rPr lang="en-US" sz="1400" b="1" dirty="0" smtClean="0">
+                <a:solidFill>
+                  <a:schemeClr val="tx1">
+                    <a:lumMod val="85000"/>
+                    <a:lumOff val="15000"/>
+                  </a:schemeClr>
+                </a:solidFill>
+                <a:latin typeface="Courier New" pitchFamily="49" charset="0"/>
+                <a:cs typeface="Courier New" pitchFamily="49" charset="0"/>
+              </a:rPr>
+              <a:t>--&gt;</a:t>
+            </a:r>
+          </a:p>
+          <a:p>
+            <a:pPr>
+              <a:buClr>
+                <a:schemeClr val="tx1">
+                  <a:lumMod val="85000"/>
+                  <a:lumOff val="15000"/>
+                </a:schemeClr>
+              </a:buClr>
+            </a:pPr>
+            <a:endParaRPr lang="en-US" sz="1400" b="1" dirty="0">
+              <a:solidFill>
+                <a:schemeClr val="tx1">
+                  <a:lumMod val="85000"/>
+                  <a:lumOff val="15000"/>
+                </a:schemeClr>
+              </a:solidFill>
+              <a:latin typeface="Courier New" pitchFamily="49" charset="0"/>
+              <a:cs typeface="Courier New" pitchFamily="49" charset="0"/>
+            </a:endParaRPr>
+          </a:p>
+          <a:p>
+            <a:pPr>
+              <a:buClr>
+                <a:schemeClr val="tx1">
+                  <a:lumMod val="85000"/>
+                  <a:lumOff val="15000"/>
+                </a:schemeClr>
+              </a:buClr>
+            </a:pPr>
+            <a:r>
+              <a:rPr lang="en-US" sz="1400" b="1" dirty="0" smtClean="0">
+                <a:solidFill>
+                  <a:schemeClr val="tx1">
+                    <a:lumMod val="85000"/>
+                    <a:lumOff val="15000"/>
+                  </a:schemeClr>
+                </a:solidFill>
+                <a:latin typeface="Courier New" pitchFamily="49" charset="0"/>
+                <a:cs typeface="Courier New" pitchFamily="49" charset="0"/>
+              </a:rPr>
+              <a:t>&lt;</a:t>
+            </a:r>
+            <a:r>
+              <a:rPr lang="en-US" sz="1400" b="1" dirty="0">
+                <a:solidFill>
+                  <a:schemeClr val="tx1">
+                    <a:lumMod val="85000"/>
+                    <a:lumOff val="15000"/>
+                  </a:schemeClr>
+                </a:solidFill>
+                <a:latin typeface="Courier New" pitchFamily="49" charset="0"/>
+                <a:cs typeface="Courier New" pitchFamily="49" charset="0"/>
+              </a:rPr>
+              <a:t>bean </a:t>
+            </a:r>
+            <a:r>
+              <a:rPr lang="en-US" sz="1400" b="1" dirty="0" smtClean="0">
+                <a:solidFill>
+                  <a:schemeClr val="tx1">
+                    <a:lumMod val="85000"/>
+                    <a:lumOff val="15000"/>
+                  </a:schemeClr>
+                </a:solidFill>
+                <a:latin typeface="Courier New" pitchFamily="49" charset="0"/>
+                <a:cs typeface="Courier New" pitchFamily="49" charset="0"/>
+              </a:rPr>
+              <a:t>id</a:t>
+            </a:r>
+            <a:r>
+              <a:rPr lang="en-US" sz="1400" b="1" dirty="0">
+                <a:solidFill>
+                  <a:schemeClr val="tx1">
+                    <a:lumMod val="85000"/>
+                    <a:lumOff val="15000"/>
+                  </a:schemeClr>
+                </a:solidFill>
+                <a:latin typeface="Courier New" pitchFamily="49" charset="0"/>
+                <a:cs typeface="Courier New" pitchFamily="49" charset="0"/>
+              </a:rPr>
+              <a:t>="</a:t>
+            </a:r>
+            <a:r>
+              <a:rPr lang="en-US" sz="1400" b="1" dirty="0" err="1" smtClean="0">
+                <a:solidFill>
+                  <a:schemeClr val="tx1">
+                    <a:lumMod val="85000"/>
+                    <a:lumOff val="15000"/>
+                  </a:schemeClr>
+                </a:solidFill>
+                <a:latin typeface="Courier New" pitchFamily="49" charset="0"/>
+                <a:cs typeface="Courier New" pitchFamily="49" charset="0"/>
+              </a:rPr>
+              <a:t>comfortableTemperature</a:t>
+            </a:r>
+            <a:r>
+              <a:rPr lang="en-US" sz="1400" b="1" dirty="0" smtClean="0">
+                <a:solidFill>
+                  <a:schemeClr val="tx1">
+                    <a:lumMod val="85000"/>
+                    <a:lumOff val="15000"/>
+                  </a:schemeClr>
+                </a:solidFill>
+                <a:latin typeface="Courier New" pitchFamily="49" charset="0"/>
+                <a:cs typeface="Courier New" pitchFamily="49" charset="0"/>
+              </a:rPr>
+              <a:t>“</a:t>
+            </a:r>
+          </a:p>
+          <a:p>
+            <a:pPr>
+              <a:buClr>
+                <a:schemeClr val="tx1">
+                  <a:lumMod val="85000"/>
+                  <a:lumOff val="15000"/>
+                </a:schemeClr>
+              </a:buClr>
+            </a:pPr>
+            <a:r>
+              <a:rPr lang="en-US" sz="1400" b="1" dirty="0" smtClean="0">
+                <a:solidFill>
+                  <a:schemeClr val="tx1">
+                    <a:lumMod val="85000"/>
+                    <a:lumOff val="15000"/>
+                  </a:schemeClr>
+                </a:solidFill>
+                <a:latin typeface="Courier New" pitchFamily="49" charset="0"/>
+                <a:cs typeface="Courier New" pitchFamily="49" charset="0"/>
+              </a:rPr>
+              <a:t>        class</a:t>
+            </a:r>
+            <a:r>
+              <a:rPr lang="en-US" sz="1400" b="1" dirty="0">
+                <a:solidFill>
+                  <a:schemeClr val="tx1">
+                    <a:lumMod val="85000"/>
+                    <a:lumOff val="15000"/>
+                  </a:schemeClr>
+                </a:solidFill>
+                <a:latin typeface="Courier New" pitchFamily="49" charset="0"/>
+                <a:cs typeface="Courier New" pitchFamily="49" charset="0"/>
+              </a:rPr>
+              <a:t>="</a:t>
+            </a:r>
+            <a:r>
+              <a:rPr lang="en-US" sz="1400" b="1" dirty="0" err="1">
+                <a:solidFill>
+                  <a:schemeClr val="tx1">
+                    <a:lumMod val="85000"/>
+                    <a:lumOff val="15000"/>
+                  </a:schemeClr>
+                </a:solidFill>
+                <a:latin typeface="Courier New" pitchFamily="49" charset="0"/>
+                <a:cs typeface="Courier New" pitchFamily="49" charset="0"/>
+              </a:rPr>
+              <a:t>org.springframework.jndi.JndiObjectFactoryBean</a:t>
+            </a:r>
+            <a:r>
+              <a:rPr lang="en-US" sz="1400" b="1" dirty="0">
+                <a:solidFill>
+                  <a:schemeClr val="tx1">
+                    <a:lumMod val="85000"/>
+                    <a:lumOff val="15000"/>
+                  </a:schemeClr>
+                </a:solidFill>
+                <a:latin typeface="Courier New" pitchFamily="49" charset="0"/>
+                <a:cs typeface="Courier New" pitchFamily="49" charset="0"/>
+              </a:rPr>
+              <a:t>" &gt;</a:t>
+            </a:r>
+          </a:p>
+          <a:p>
+            <a:pPr>
+              <a:buClr>
+                <a:schemeClr val="tx1">
+                  <a:lumMod val="85000"/>
+                  <a:lumOff val="15000"/>
+                </a:schemeClr>
+              </a:buClr>
+            </a:pPr>
+            <a:r>
+              <a:rPr lang="en-US" sz="1400" b="1" dirty="0" smtClean="0">
+                <a:solidFill>
+                  <a:schemeClr val="tx1">
+                    <a:lumMod val="85000"/>
+                    <a:lumOff val="15000"/>
+                  </a:schemeClr>
+                </a:solidFill>
+                <a:latin typeface="Courier New" pitchFamily="49" charset="0"/>
+                <a:cs typeface="Courier New" pitchFamily="49" charset="0"/>
+              </a:rPr>
+              <a:t>    &lt;</a:t>
+            </a:r>
+            <a:r>
+              <a:rPr lang="en-US" sz="1400" b="1" dirty="0">
+                <a:solidFill>
+                  <a:schemeClr val="tx1">
+                    <a:lumMod val="85000"/>
+                    <a:lumOff val="15000"/>
+                  </a:schemeClr>
+                </a:solidFill>
+                <a:latin typeface="Courier New" pitchFamily="49" charset="0"/>
+                <a:cs typeface="Courier New" pitchFamily="49" charset="0"/>
+              </a:rPr>
+              <a:t>property </a:t>
+            </a:r>
+            <a:endParaRPr lang="en-US" sz="1400" b="1" dirty="0" smtClean="0">
+              <a:solidFill>
+                <a:schemeClr val="tx1">
+                  <a:lumMod val="85000"/>
+                  <a:lumOff val="15000"/>
+                </a:schemeClr>
+              </a:solidFill>
+              <a:latin typeface="Courier New" pitchFamily="49" charset="0"/>
+              <a:cs typeface="Courier New" pitchFamily="49" charset="0"/>
+            </a:endParaRPr>
+          </a:p>
+          <a:p>
+            <a:pPr>
+              <a:buClr>
+                <a:schemeClr val="tx1">
+                  <a:lumMod val="85000"/>
+                  <a:lumOff val="15000"/>
+                </a:schemeClr>
+              </a:buClr>
+            </a:pPr>
+            <a:r>
+              <a:rPr lang="en-US" sz="1400" b="1" dirty="0">
+                <a:solidFill>
+                  <a:schemeClr val="tx1">
+                    <a:lumMod val="85000"/>
+                    <a:lumOff val="15000"/>
+                  </a:schemeClr>
+                </a:solidFill>
+                <a:latin typeface="Courier New" pitchFamily="49" charset="0"/>
+                <a:cs typeface="Courier New" pitchFamily="49" charset="0"/>
+              </a:rPr>
+              <a:t> </a:t>
+            </a:r>
+            <a:r>
+              <a:rPr lang="en-US" sz="1400" b="1" dirty="0" smtClean="0">
+                <a:solidFill>
+                  <a:schemeClr val="tx1">
+                    <a:lumMod val="85000"/>
+                    <a:lumOff val="15000"/>
+                  </a:schemeClr>
+                </a:solidFill>
+                <a:latin typeface="Courier New" pitchFamily="49" charset="0"/>
+                <a:cs typeface="Courier New" pitchFamily="49" charset="0"/>
+              </a:rPr>
+              <a:t>       name</a:t>
+            </a:r>
+            <a:r>
+              <a:rPr lang="en-US" sz="1400" b="1" dirty="0">
+                <a:solidFill>
+                  <a:schemeClr val="tx1">
+                    <a:lumMod val="85000"/>
+                    <a:lumOff val="15000"/>
+                  </a:schemeClr>
+                </a:solidFill>
+                <a:latin typeface="Courier New" pitchFamily="49" charset="0"/>
+                <a:cs typeface="Courier New" pitchFamily="49" charset="0"/>
+              </a:rPr>
+              <a:t>="</a:t>
+            </a:r>
+            <a:r>
+              <a:rPr lang="en-US" sz="1400" b="1" dirty="0" err="1">
+                <a:solidFill>
+                  <a:schemeClr val="tx1">
+                    <a:lumMod val="85000"/>
+                    <a:lumOff val="15000"/>
+                  </a:schemeClr>
+                </a:solidFill>
+                <a:latin typeface="Courier New" pitchFamily="49" charset="0"/>
+                <a:cs typeface="Courier New" pitchFamily="49" charset="0"/>
+              </a:rPr>
+              <a:t>jndiName</a:t>
+            </a:r>
+            <a:r>
+              <a:rPr lang="en-US" sz="1400" b="1" dirty="0">
+                <a:solidFill>
+                  <a:schemeClr val="tx1">
+                    <a:lumMod val="85000"/>
+                    <a:lumOff val="15000"/>
+                  </a:schemeClr>
+                </a:solidFill>
+                <a:latin typeface="Courier New" pitchFamily="49" charset="0"/>
+                <a:cs typeface="Courier New" pitchFamily="49" charset="0"/>
+              </a:rPr>
+              <a:t>" </a:t>
+            </a:r>
+            <a:endParaRPr lang="en-US" sz="1400" b="1" dirty="0" smtClean="0">
+              <a:solidFill>
+                <a:schemeClr val="tx1">
+                  <a:lumMod val="85000"/>
+                  <a:lumOff val="15000"/>
+                </a:schemeClr>
+              </a:solidFill>
+              <a:latin typeface="Courier New" pitchFamily="49" charset="0"/>
+              <a:cs typeface="Courier New" pitchFamily="49" charset="0"/>
+            </a:endParaRPr>
+          </a:p>
+          <a:p>
+            <a:pPr>
+              <a:buClr>
+                <a:schemeClr val="tx1">
+                  <a:lumMod val="85000"/>
+                  <a:lumOff val="15000"/>
+                </a:schemeClr>
+              </a:buClr>
+            </a:pPr>
+            <a:r>
+              <a:rPr lang="en-US" sz="1400" b="1" dirty="0">
+                <a:solidFill>
+                  <a:schemeClr val="tx1">
+                    <a:lumMod val="85000"/>
+                    <a:lumOff val="15000"/>
+                  </a:schemeClr>
+                </a:solidFill>
+                <a:latin typeface="Courier New" pitchFamily="49" charset="0"/>
+                <a:cs typeface="Courier New" pitchFamily="49" charset="0"/>
+              </a:rPr>
+              <a:t> </a:t>
+            </a:r>
+            <a:r>
+              <a:rPr lang="en-US" sz="1400" b="1" dirty="0" smtClean="0">
+                <a:solidFill>
+                  <a:schemeClr val="tx1">
+                    <a:lumMod val="85000"/>
+                    <a:lumOff val="15000"/>
+                  </a:schemeClr>
+                </a:solidFill>
+                <a:latin typeface="Courier New" pitchFamily="49" charset="0"/>
+                <a:cs typeface="Courier New" pitchFamily="49" charset="0"/>
+              </a:rPr>
+              <a:t>       value</a:t>
+            </a:r>
+            <a:r>
+              <a:rPr lang="en-US" sz="1400" b="1" dirty="0">
+                <a:solidFill>
+                  <a:schemeClr val="tx1">
+                    <a:lumMod val="85000"/>
+                    <a:lumOff val="15000"/>
+                  </a:schemeClr>
+                </a:solidFill>
+                <a:latin typeface="Courier New" pitchFamily="49" charset="0"/>
+                <a:cs typeface="Courier New" pitchFamily="49" charset="0"/>
+              </a:rPr>
+              <a:t>="</a:t>
+            </a:r>
+            <a:r>
+              <a:rPr lang="en-US" sz="1400" b="1" dirty="0" err="1">
+                <a:solidFill>
+                  <a:schemeClr val="tx1">
+                    <a:lumMod val="85000"/>
+                    <a:lumOff val="15000"/>
+                  </a:schemeClr>
+                </a:solidFill>
+                <a:latin typeface="Courier New" pitchFamily="49" charset="0"/>
+                <a:cs typeface="Courier New" pitchFamily="49" charset="0"/>
+              </a:rPr>
+              <a:t>cfg</a:t>
+            </a:r>
+            <a:r>
+              <a:rPr lang="en-US" sz="1400" b="1" dirty="0">
+                <a:solidFill>
+                  <a:schemeClr val="tx1">
+                    <a:lumMod val="85000"/>
+                    <a:lumOff val="15000"/>
+                  </a:schemeClr>
+                </a:solidFill>
+                <a:latin typeface="Courier New" pitchFamily="49" charset="0"/>
+                <a:cs typeface="Courier New" pitchFamily="49" charset="0"/>
+              </a:rPr>
+              <a:t>/</a:t>
+            </a:r>
+            <a:r>
+              <a:rPr lang="en-US" sz="1400" b="1" dirty="0" err="1">
+                <a:solidFill>
+                  <a:schemeClr val="tx1">
+                    <a:lumMod val="85000"/>
+                    <a:lumOff val="15000"/>
+                  </a:schemeClr>
+                </a:solidFill>
+                <a:latin typeface="Courier New" pitchFamily="49" charset="0"/>
+                <a:cs typeface="Courier New" pitchFamily="49" charset="0"/>
+              </a:rPr>
+              <a:t>Config</a:t>
+            </a:r>
+            <a:r>
+              <a:rPr lang="en-US" sz="1400" b="1" dirty="0">
+                <a:solidFill>
+                  <a:schemeClr val="tx1">
+                    <a:lumMod val="85000"/>
+                    <a:lumOff val="15000"/>
+                  </a:schemeClr>
+                </a:solidFill>
+                <a:latin typeface="Courier New" pitchFamily="49" charset="0"/>
+                <a:cs typeface="Courier New" pitchFamily="49" charset="0"/>
+              </a:rPr>
+              <a:t>/</a:t>
+            </a:r>
+            <a:r>
+              <a:rPr lang="en-US" sz="1400" b="1" dirty="0" err="1">
+                <a:solidFill>
+                  <a:schemeClr val="tx1">
+                    <a:lumMod val="85000"/>
+                    <a:lumOff val="15000"/>
+                  </a:schemeClr>
+                </a:solidFill>
+                <a:latin typeface="Courier New" pitchFamily="49" charset="0"/>
+                <a:cs typeface="Courier New" pitchFamily="49" charset="0"/>
+              </a:rPr>
+              <a:t>ComfortableTemperature</a:t>
+            </a:r>
+            <a:r>
+              <a:rPr lang="en-US" sz="1400" b="1" dirty="0">
+                <a:solidFill>
+                  <a:schemeClr val="tx1">
+                    <a:lumMod val="85000"/>
+                    <a:lumOff val="15000"/>
+                  </a:schemeClr>
+                </a:solidFill>
+                <a:latin typeface="Courier New" pitchFamily="49" charset="0"/>
+                <a:cs typeface="Courier New" pitchFamily="49" charset="0"/>
+              </a:rPr>
+              <a:t>" /&gt;</a:t>
+            </a:r>
+          </a:p>
+          <a:p>
+            <a:pPr>
+              <a:buClr>
+                <a:schemeClr val="tx1">
+                  <a:lumMod val="85000"/>
+                  <a:lumOff val="15000"/>
+                </a:schemeClr>
+              </a:buClr>
+            </a:pPr>
+            <a:r>
+              <a:rPr lang="en-US" sz="1400" b="1" dirty="0" smtClean="0">
+                <a:solidFill>
+                  <a:schemeClr val="tx1">
+                    <a:lumMod val="85000"/>
+                    <a:lumOff val="15000"/>
+                  </a:schemeClr>
+                </a:solidFill>
+                <a:latin typeface="Courier New" pitchFamily="49" charset="0"/>
+                <a:cs typeface="Courier New" pitchFamily="49" charset="0"/>
+              </a:rPr>
+              <a:t>    &lt;</a:t>
+            </a:r>
+            <a:r>
+              <a:rPr lang="en-US" sz="1400" b="1" dirty="0">
+                <a:solidFill>
+                  <a:schemeClr val="tx1">
+                    <a:lumMod val="85000"/>
+                    <a:lumOff val="15000"/>
+                  </a:schemeClr>
+                </a:solidFill>
+                <a:latin typeface="Courier New" pitchFamily="49" charset="0"/>
+                <a:cs typeface="Courier New" pitchFamily="49" charset="0"/>
+              </a:rPr>
+              <a:t>property name="</a:t>
+            </a:r>
+            <a:r>
+              <a:rPr lang="en-US" sz="1400" b="1" dirty="0" err="1">
+                <a:solidFill>
+                  <a:schemeClr val="tx1">
+                    <a:lumMod val="85000"/>
+                    <a:lumOff val="15000"/>
+                  </a:schemeClr>
+                </a:solidFill>
+                <a:latin typeface="Courier New" pitchFamily="49" charset="0"/>
+                <a:cs typeface="Courier New" pitchFamily="49" charset="0"/>
+              </a:rPr>
+              <a:t>lookupOnStartup</a:t>
+            </a:r>
+            <a:r>
+              <a:rPr lang="en-US" sz="1400" b="1" dirty="0">
+                <a:solidFill>
+                  <a:schemeClr val="tx1">
+                    <a:lumMod val="85000"/>
+                    <a:lumOff val="15000"/>
+                  </a:schemeClr>
+                </a:solidFill>
+                <a:latin typeface="Courier New" pitchFamily="49" charset="0"/>
+                <a:cs typeface="Courier New" pitchFamily="49" charset="0"/>
+              </a:rPr>
+              <a:t>" value="true" /&gt;</a:t>
+            </a:r>
+          </a:p>
+          <a:p>
+            <a:pPr>
+              <a:buClr>
+                <a:schemeClr val="tx1">
+                  <a:lumMod val="85000"/>
+                  <a:lumOff val="15000"/>
+                </a:schemeClr>
+              </a:buClr>
+            </a:pPr>
+            <a:r>
+              <a:rPr lang="en-US" sz="1400" b="1" dirty="0" smtClean="0">
+                <a:solidFill>
+                  <a:schemeClr val="tx1">
+                    <a:lumMod val="85000"/>
+                    <a:lumOff val="15000"/>
+                  </a:schemeClr>
+                </a:solidFill>
+                <a:latin typeface="Courier New" pitchFamily="49" charset="0"/>
+                <a:cs typeface="Courier New" pitchFamily="49" charset="0"/>
+              </a:rPr>
+              <a:t>&lt;/</a:t>
+            </a:r>
+            <a:r>
+              <a:rPr lang="en-US" sz="1400" b="1" dirty="0">
+                <a:solidFill>
+                  <a:schemeClr val="tx1">
+                    <a:lumMod val="85000"/>
+                    <a:lumOff val="15000"/>
+                  </a:schemeClr>
+                </a:solidFill>
+                <a:latin typeface="Courier New" pitchFamily="49" charset="0"/>
+                <a:cs typeface="Courier New" pitchFamily="49" charset="0"/>
+              </a:rPr>
+              <a:t>bean&gt;</a:t>
+            </a:r>
+          </a:p>
+          <a:p>
+            <a:pPr>
+              <a:buClr>
+                <a:schemeClr val="tx1">
+                  <a:lumMod val="85000"/>
+                  <a:lumOff val="15000"/>
+                </a:schemeClr>
+              </a:buClr>
+            </a:pPr>
+            <a:endParaRPr lang="en-US" sz="1400" b="1" dirty="0">
+              <a:solidFill>
+                <a:schemeClr val="tx1">
+                  <a:lumMod val="85000"/>
+                  <a:lumOff val="15000"/>
+                </a:schemeClr>
+              </a:solidFill>
+              <a:latin typeface="Courier New" pitchFamily="49" charset="0"/>
+              <a:cs typeface="Courier New" pitchFamily="49" charset="0"/>
+            </a:endParaRPr>
+          </a:p>
+          <a:p>
+            <a:pPr>
+              <a:buClr>
+                <a:schemeClr val="tx1">
+                  <a:lumMod val="85000"/>
+                  <a:lumOff val="15000"/>
+                </a:schemeClr>
+              </a:buClr>
+            </a:pPr>
+            <a:r>
+              <a:rPr lang="en-US" sz="1400" b="1" dirty="0" smtClean="0">
+                <a:solidFill>
+                  <a:schemeClr val="tx1">
+                    <a:lumMod val="85000"/>
+                    <a:lumOff val="15000"/>
+                  </a:schemeClr>
+                </a:solidFill>
+                <a:latin typeface="Courier New" pitchFamily="49" charset="0"/>
+                <a:cs typeface="Courier New" pitchFamily="49" charset="0"/>
+              </a:rPr>
+              <a:t>&lt;</a:t>
+            </a:r>
+            <a:r>
+              <a:rPr lang="en-US" sz="1400" b="1" dirty="0">
+                <a:solidFill>
+                  <a:schemeClr val="tx1">
+                    <a:lumMod val="85000"/>
+                    <a:lumOff val="15000"/>
+                  </a:schemeClr>
+                </a:solidFill>
+                <a:latin typeface="Courier New" pitchFamily="49" charset="0"/>
+                <a:cs typeface="Courier New" pitchFamily="49" charset="0"/>
+              </a:rPr>
+              <a:t>bean </a:t>
+            </a:r>
+            <a:r>
+              <a:rPr lang="en-US" sz="1400" b="1" dirty="0" smtClean="0">
+                <a:solidFill>
+                  <a:schemeClr val="tx1">
+                    <a:lumMod val="85000"/>
+                    <a:lumOff val="15000"/>
+                  </a:schemeClr>
+                </a:solidFill>
+                <a:latin typeface="Courier New" pitchFamily="49" charset="0"/>
+                <a:cs typeface="Courier New" pitchFamily="49" charset="0"/>
+              </a:rPr>
+              <a:t>id</a:t>
+            </a:r>
+            <a:r>
+              <a:rPr lang="en-US" sz="1400" b="1" dirty="0">
+                <a:solidFill>
+                  <a:schemeClr val="tx1">
+                    <a:lumMod val="85000"/>
+                    <a:lumOff val="15000"/>
+                  </a:schemeClr>
+                </a:solidFill>
+                <a:latin typeface="Courier New" pitchFamily="49" charset="0"/>
+                <a:cs typeface="Courier New" pitchFamily="49" charset="0"/>
+              </a:rPr>
+              <a:t>="</a:t>
+            </a:r>
+            <a:r>
+              <a:rPr lang="en-US" sz="1400" b="1" dirty="0" err="1">
+                <a:solidFill>
+                  <a:schemeClr val="tx1">
+                    <a:lumMod val="85000"/>
+                    <a:lumOff val="15000"/>
+                  </a:schemeClr>
+                </a:solidFill>
+                <a:latin typeface="Courier New" pitchFamily="49" charset="0"/>
+                <a:cs typeface="Courier New" pitchFamily="49" charset="0"/>
+              </a:rPr>
+              <a:t>genericBean</a:t>
+            </a:r>
+            <a:r>
+              <a:rPr lang="en-US" sz="1400" b="1" dirty="0">
+                <a:solidFill>
+                  <a:schemeClr val="tx1">
+                    <a:lumMod val="85000"/>
+                    <a:lumOff val="15000"/>
+                  </a:schemeClr>
+                </a:solidFill>
+                <a:latin typeface="Courier New" pitchFamily="49" charset="0"/>
+                <a:cs typeface="Courier New" pitchFamily="49" charset="0"/>
+              </a:rPr>
+              <a:t>" </a:t>
+            </a:r>
+            <a:r>
+              <a:rPr lang="en-US" sz="1400" b="1" dirty="0" err="1">
+                <a:solidFill>
+                  <a:schemeClr val="tx1">
+                    <a:lumMod val="85000"/>
+                    <a:lumOff val="15000"/>
+                  </a:schemeClr>
+                </a:solidFill>
+                <a:latin typeface="Courier New" pitchFamily="49" charset="0"/>
+                <a:cs typeface="Courier New" pitchFamily="49" charset="0"/>
+              </a:rPr>
+              <a:t>init</a:t>
+            </a:r>
+            <a:r>
+              <a:rPr lang="en-US" sz="1400" b="1" dirty="0">
+                <a:solidFill>
+                  <a:schemeClr val="tx1">
+                    <a:lumMod val="85000"/>
+                    <a:lumOff val="15000"/>
+                  </a:schemeClr>
+                </a:solidFill>
+                <a:latin typeface="Courier New" pitchFamily="49" charset="0"/>
+                <a:cs typeface="Courier New" pitchFamily="49" charset="0"/>
+              </a:rPr>
+              <a:t>-method="</a:t>
+            </a:r>
+            <a:r>
+              <a:rPr lang="en-US" sz="1400" b="1" dirty="0" err="1">
+                <a:solidFill>
+                  <a:schemeClr val="tx1">
+                    <a:lumMod val="85000"/>
+                    <a:lumOff val="15000"/>
+                  </a:schemeClr>
+                </a:solidFill>
+                <a:latin typeface="Courier New" pitchFamily="49" charset="0"/>
+                <a:cs typeface="Courier New" pitchFamily="49" charset="0"/>
+              </a:rPr>
+              <a:t>init</a:t>
+            </a:r>
+            <a:r>
+              <a:rPr lang="en-US" sz="1400" b="1" dirty="0">
+                <a:solidFill>
+                  <a:schemeClr val="tx1">
+                    <a:lumMod val="85000"/>
+                    <a:lumOff val="15000"/>
+                  </a:schemeClr>
+                </a:solidFill>
+                <a:latin typeface="Courier New" pitchFamily="49" charset="0"/>
+                <a:cs typeface="Courier New" pitchFamily="49" charset="0"/>
+              </a:rPr>
+              <a:t>"</a:t>
+            </a:r>
+            <a:endParaRPr lang="en-US" sz="1400" b="1" dirty="0" smtClean="0">
+              <a:solidFill>
+                <a:schemeClr val="tx1">
+                  <a:lumMod val="85000"/>
+                  <a:lumOff val="15000"/>
+                </a:schemeClr>
+              </a:solidFill>
+              <a:latin typeface="Courier New" pitchFamily="49" charset="0"/>
+              <a:cs typeface="Courier New" pitchFamily="49" charset="0"/>
+            </a:endParaRPr>
+          </a:p>
+          <a:p>
+            <a:pPr>
+              <a:buClr>
+                <a:schemeClr val="tx1">
+                  <a:lumMod val="85000"/>
+                  <a:lumOff val="15000"/>
+                </a:schemeClr>
+              </a:buClr>
+            </a:pPr>
+            <a:r>
+              <a:rPr lang="en-US" sz="1400" b="1" dirty="0">
+                <a:solidFill>
+                  <a:schemeClr val="tx1">
+                    <a:lumMod val="85000"/>
+                    <a:lumOff val="15000"/>
+                  </a:schemeClr>
+                </a:solidFill>
+                <a:latin typeface="Courier New" pitchFamily="49" charset="0"/>
+                <a:cs typeface="Courier New" pitchFamily="49" charset="0"/>
+              </a:rPr>
+              <a:t> </a:t>
+            </a:r>
+            <a:r>
+              <a:rPr lang="en-US" sz="1400" b="1" dirty="0" smtClean="0">
+                <a:solidFill>
+                  <a:schemeClr val="tx1">
+                    <a:lumMod val="85000"/>
+                    <a:lumOff val="15000"/>
+                  </a:schemeClr>
+                </a:solidFill>
+                <a:latin typeface="Courier New" pitchFamily="49" charset="0"/>
+                <a:cs typeface="Courier New" pitchFamily="49" charset="0"/>
+              </a:rPr>
+              <a:t>       class</a:t>
+            </a:r>
+            <a:r>
+              <a:rPr lang="en-US" sz="1400" b="1" dirty="0">
+                <a:solidFill>
+                  <a:schemeClr val="tx1">
+                    <a:lumMod val="85000"/>
+                    <a:lumOff val="15000"/>
+                  </a:schemeClr>
+                </a:solidFill>
+                <a:latin typeface="Courier New" pitchFamily="49" charset="0"/>
+                <a:cs typeface="Courier New" pitchFamily="49" charset="0"/>
+              </a:rPr>
+              <a:t>="ru.mrdekk.j2ee.lec3.GenericBean" </a:t>
+            </a:r>
+            <a:r>
+              <a:rPr lang="en-US" sz="1400" b="1" dirty="0" smtClean="0">
+                <a:solidFill>
+                  <a:schemeClr val="tx1">
+                    <a:lumMod val="85000"/>
+                    <a:lumOff val="15000"/>
+                  </a:schemeClr>
+                </a:solidFill>
+                <a:latin typeface="Courier New" pitchFamily="49" charset="0"/>
+                <a:cs typeface="Courier New" pitchFamily="49" charset="0"/>
+              </a:rPr>
+              <a:t>&gt;</a:t>
+            </a:r>
+            <a:endParaRPr lang="en-US" sz="1400" b="1" dirty="0">
+              <a:solidFill>
+                <a:schemeClr val="tx1">
+                  <a:lumMod val="85000"/>
+                  <a:lumOff val="15000"/>
+                </a:schemeClr>
+              </a:solidFill>
+              <a:latin typeface="Courier New" pitchFamily="49" charset="0"/>
+              <a:cs typeface="Courier New" pitchFamily="49" charset="0"/>
+            </a:endParaRPr>
+          </a:p>
+          <a:p>
+            <a:pPr>
+              <a:buClr>
+                <a:schemeClr val="tx1">
+                  <a:lumMod val="85000"/>
+                  <a:lumOff val="15000"/>
+                </a:schemeClr>
+              </a:buClr>
+            </a:pPr>
+            <a:r>
+              <a:rPr lang="en-US" sz="1400" b="1" dirty="0" smtClean="0">
+                <a:solidFill>
+                  <a:schemeClr val="tx1">
+                    <a:lumMod val="85000"/>
+                    <a:lumOff val="15000"/>
+                  </a:schemeClr>
+                </a:solidFill>
+                <a:latin typeface="Courier New" pitchFamily="49" charset="0"/>
+                <a:cs typeface="Courier New" pitchFamily="49" charset="0"/>
+              </a:rPr>
+              <a:t>    &lt;</a:t>
+            </a:r>
+            <a:r>
+              <a:rPr lang="en-US" sz="1400" b="1" dirty="0">
+                <a:solidFill>
+                  <a:schemeClr val="tx1">
+                    <a:lumMod val="85000"/>
+                    <a:lumOff val="15000"/>
+                  </a:schemeClr>
+                </a:solidFill>
+                <a:latin typeface="Courier New" pitchFamily="49" charset="0"/>
+                <a:cs typeface="Courier New" pitchFamily="49" charset="0"/>
+              </a:rPr>
+              <a:t>property name="</a:t>
+            </a:r>
+            <a:r>
+              <a:rPr lang="en-US" sz="1400" b="1" dirty="0" err="1">
+                <a:solidFill>
+                  <a:schemeClr val="tx1">
+                    <a:lumMod val="85000"/>
+                    <a:lumOff val="15000"/>
+                  </a:schemeClr>
+                </a:solidFill>
+                <a:latin typeface="Courier New" pitchFamily="49" charset="0"/>
+                <a:cs typeface="Courier New" pitchFamily="49" charset="0"/>
+              </a:rPr>
+              <a:t>comfortableTemperature</a:t>
+            </a:r>
+            <a:r>
+              <a:rPr lang="en-US" sz="1400" b="1" dirty="0">
+                <a:solidFill>
+                  <a:schemeClr val="tx1">
+                    <a:lumMod val="85000"/>
+                    <a:lumOff val="15000"/>
+                  </a:schemeClr>
+                </a:solidFill>
+                <a:latin typeface="Courier New" pitchFamily="49" charset="0"/>
+                <a:cs typeface="Courier New" pitchFamily="49" charset="0"/>
+              </a:rPr>
+              <a:t>" ref="</a:t>
+            </a:r>
+            <a:r>
+              <a:rPr lang="en-US" sz="1400" b="1" dirty="0" err="1">
+                <a:solidFill>
+                  <a:schemeClr val="tx1">
+                    <a:lumMod val="85000"/>
+                    <a:lumOff val="15000"/>
+                  </a:schemeClr>
+                </a:solidFill>
+                <a:latin typeface="Courier New" pitchFamily="49" charset="0"/>
+                <a:cs typeface="Courier New" pitchFamily="49" charset="0"/>
+              </a:rPr>
+              <a:t>comfortableTemperature</a:t>
+            </a:r>
+            <a:r>
+              <a:rPr lang="en-US" sz="1400" b="1" dirty="0">
+                <a:solidFill>
+                  <a:schemeClr val="tx1">
+                    <a:lumMod val="85000"/>
+                    <a:lumOff val="15000"/>
+                  </a:schemeClr>
+                </a:solidFill>
+                <a:latin typeface="Courier New" pitchFamily="49" charset="0"/>
+                <a:cs typeface="Courier New" pitchFamily="49" charset="0"/>
+              </a:rPr>
+              <a:t>" /&gt;</a:t>
+            </a:r>
+          </a:p>
+          <a:p>
+            <a:pPr>
+              <a:buClr>
+                <a:schemeClr val="tx1">
+                  <a:lumMod val="85000"/>
+                  <a:lumOff val="15000"/>
+                </a:schemeClr>
+              </a:buClr>
+            </a:pPr>
+            <a:r>
+              <a:rPr lang="en-US" sz="1400" b="1" dirty="0" smtClean="0">
+                <a:solidFill>
+                  <a:schemeClr val="tx1">
+                    <a:lumMod val="85000"/>
+                    <a:lumOff val="15000"/>
+                  </a:schemeClr>
+                </a:solidFill>
+                <a:latin typeface="Courier New" pitchFamily="49" charset="0"/>
+                <a:cs typeface="Courier New" pitchFamily="49" charset="0"/>
+              </a:rPr>
+              <a:t>&lt;/</a:t>
+            </a:r>
+            <a:r>
+              <a:rPr lang="en-US" sz="1400" b="1" dirty="0">
+                <a:solidFill>
+                  <a:schemeClr val="tx1">
+                    <a:lumMod val="85000"/>
+                    <a:lumOff val="15000"/>
+                  </a:schemeClr>
+                </a:solidFill>
+                <a:latin typeface="Courier New" pitchFamily="49" charset="0"/>
+                <a:cs typeface="Courier New" pitchFamily="49" charset="0"/>
+              </a:rPr>
+              <a:t>bean&gt;</a:t>
+            </a:r>
+          </a:p>
+          <a:p>
+            <a:pPr>
+              <a:buClr>
+                <a:schemeClr val="tx1">
+                  <a:lumMod val="85000"/>
+                  <a:lumOff val="15000"/>
+                </a:schemeClr>
+              </a:buClr>
+            </a:pPr>
+            <a:endParaRPr lang="en-US" sz="1400" b="1" dirty="0" smtClean="0">
+              <a:solidFill>
+                <a:schemeClr val="tx1">
+                  <a:lumMod val="85000"/>
+                  <a:lumOff val="15000"/>
+                </a:schemeClr>
+              </a:solidFill>
+              <a:latin typeface="Courier New" pitchFamily="49" charset="0"/>
+              <a:cs typeface="Courier New" pitchFamily="49" charset="0"/>
+            </a:endParaRPr>
+          </a:p>
+        </p:txBody>
+      </p:sp>
+    </p:spTree>
+    <p:extLst>
+      <p:ext uri="{BB962C8B-B14F-4D97-AF65-F5344CB8AC3E}">
+        <p14:creationId xmlns:p14="http://schemas.microsoft.com/office/powerpoint/2010/main" val="3990600504"/>
+      </p:ext>
+    </p:extLst>
+  </p:cSld>
+  <p:clrMapOvr>
+    <a:masterClrMapping/>
+  </p:clrMapOvr>
+  <p:timing>
+    <p:tnLst>
+      <p:par>
+        <p:cTn id="1" dur="indefinite" restart="never" nodeType="tmRoot"/>
+      </p:par>
+    </p:tnLst>
+  </p:timing>
+</p:sld>
+</file>
+
+<file path=ppt/slides/slide17.xml><?xml version="1.0" encoding="utf-8"?>
+<p:sld xmlns:a="http://schemas.openxmlformats.org/drawingml/2006/main" xmlns:r="http://schemas.openxmlformats.org/officeDocument/2006/relationships" xmlns:p="http://schemas.openxmlformats.org/presentationml/2006/main">
+  <p:cSld>
+    <p:spTree>
+      <p:nvGrpSpPr>
+        <p:cNvPr id="1" name=""/>
+        <p:cNvGrpSpPr/>
+        <p:nvPr/>
+      </p:nvGrpSpPr>
+      <p:grpSpPr>
+        <a:xfrm>
+          <a:off x="0" y="0"/>
+          <a:ext cx="0" cy="0"/>
+          <a:chOff x="0" y="0"/>
+          <a:chExt cx="0" cy="0"/>
+        </a:xfrm>
+      </p:grpSpPr>
+      <p:sp>
+        <p:nvSpPr>
+          <p:cNvPr id="2" name="Title 1"/>
+          <p:cNvSpPr>
+            <a:spLocks noGrp="1"/>
+          </p:cNvSpPr>
+          <p:nvPr>
+            <p:ph type="title"/>
+          </p:nvPr>
+        </p:nvSpPr>
+        <p:spPr>
+          <a:xfrm>
+            <a:off x="457200" y="274638"/>
+            <a:ext cx="8229600" cy="439718"/>
+          </a:xfrm>
+          <a:ln>
+            <a:noFill/>
+          </a:ln>
+        </p:spPr>
+        <p:txBody>
+          <a:bodyPr>
+            <a:normAutofit fontScale="90000"/>
+          </a:bodyPr>
+          <a:lstStyle/>
+          <a:p>
+            <a:pPr algn="l"/>
+            <a:r>
+              <a:rPr lang="ru-RU" sz="3200" dirty="0" smtClean="0"/>
+              <a:t>Задача</a:t>
+            </a:r>
+            <a:endParaRPr lang="ru-RU" sz="3200" dirty="0"/>
+          </a:p>
+        </p:txBody>
+      </p:sp>
+      <p:cxnSp>
+        <p:nvCxnSpPr>
+          <p:cNvPr id="7" name="Straight Connector 6"/>
+          <p:cNvCxnSpPr/>
+          <p:nvPr/>
+        </p:nvCxnSpPr>
+        <p:spPr>
+          <a:xfrm>
+            <a:off x="428596" y="714356"/>
+            <a:ext cx="8286808" cy="1588"/>
+          </a:xfrm>
+          <a:prstGeom prst="line">
+            <a:avLst/>
+          </a:prstGeom>
+          <a:ln>
+            <a:solidFill>
+              <a:schemeClr val="tx1"/>
+            </a:solidFill>
+          </a:ln>
+        </p:spPr>
+        <p:style>
+          <a:lnRef idx="1">
+            <a:schemeClr val="accent1"/>
+          </a:lnRef>
+          <a:fillRef idx="0">
+            <a:schemeClr val="accent1"/>
+          </a:fillRef>
+          <a:effectRef idx="0">
+            <a:schemeClr val="accent1"/>
+          </a:effectRef>
+          <a:fontRef idx="minor">
+            <a:schemeClr val="tx1"/>
+          </a:fontRef>
+        </p:style>
+      </p:cxnSp>
+      <p:sp>
+        <p:nvSpPr>
+          <p:cNvPr id="10" name="TextBox 9"/>
+          <p:cNvSpPr txBox="1"/>
+          <p:nvPr/>
+        </p:nvSpPr>
+        <p:spPr>
+          <a:xfrm>
+            <a:off x="428596" y="1000108"/>
+            <a:ext cx="8286808" cy="2862322"/>
+          </a:xfrm>
+          <a:prstGeom prst="rect">
+            <a:avLst/>
+          </a:prstGeom>
+          <a:noFill/>
+        </p:spPr>
+        <p:txBody>
+          <a:bodyPr wrap="square" rtlCol="0">
+            <a:spAutoFit/>
+          </a:bodyPr>
+          <a:lstStyle/>
+          <a:p>
             <a:pPr marL="342900" indent="-342900">
               <a:buAutoNum type="arabicPeriod"/>
             </a:pPr>
@@ -3878,7 +7927,7 @@
               <a:rPr lang="ru-RU" dirty="0" smtClean="0">
                 <a:cs typeface="Courier New" pitchFamily="49" charset="0"/>
               </a:rPr>
-              <a:t>Создать и настроить домен </a:t>
+              <a:t>Настроить журналирование в </a:t>
             </a:r>
             <a:r>
               <a:rPr lang="en-US" dirty="0" err="1" smtClean="0">
@@ -3899,44 +7948,26 @@
               <a:rPr lang="ru-RU" dirty="0" smtClean="0">
                 <a:cs typeface="Courier New" pitchFamily="49" charset="0"/>
               </a:rPr>
-              <a:t>Преобразовать ваш проект </a:t>
-            </a:r>
-            <a:r>
-              <a:rPr lang="en-US" dirty="0" smtClean="0">
-                <a:cs typeface="Courier New" pitchFamily="49" charset="0"/>
-              </a:rPr>
-              <a:t>maven </a:t>
-            </a:r>
-            <a:r>
-              <a:rPr lang="ru-RU" dirty="0" smtClean="0">
-                <a:cs typeface="Courier New" pitchFamily="49" charset="0"/>
-              </a:rPr>
-              <a:t>в многомодульный проект</a:t>
-            </a:r>
+              <a:t>Настроить удаленную отладку в </a:t>
+            </a:r>
+            <a:r>
+              <a:rPr lang="en-US" dirty="0" err="1" smtClean="0">
+                <a:cs typeface="Courier New" pitchFamily="49" charset="0"/>
+              </a:rPr>
+              <a:t>WebLogic</a:t>
+            </a:r>
+            <a:endParaRPr lang="en-US" dirty="0" smtClean="0">
+              <a:cs typeface="Courier New" pitchFamily="49" charset="0"/>
+            </a:endParaRPr>
           </a:p>
           <a:p>
             <a:pPr marL="342900" indent="-342900">
               <a:buFont typeface="+mj-lt"/>
               <a:buAutoNum type="arabicPeriod"/>
             </a:pPr>
-            <a:r>
-              <a:rPr lang="ru-RU" dirty="0" smtClean="0">
-                <a:cs typeface="Courier New" pitchFamily="49" charset="0"/>
-              </a:rPr>
-              <a:t>Преобразовать проект из задания лекции 1 в </a:t>
-            </a:r>
-            <a:r>
-              <a:rPr lang="en-US" dirty="0" smtClean="0">
-                <a:cs typeface="Courier New" pitchFamily="49" charset="0"/>
-              </a:rPr>
-              <a:t>war </a:t>
-            </a:r>
-            <a:r>
-              <a:rPr lang="ru-RU" dirty="0" smtClean="0">
-                <a:cs typeface="Courier New" pitchFamily="49" charset="0"/>
-              </a:rPr>
-              <a:t>проект</a:t>
-            </a:r>
+            <a:endParaRPr lang="en-US" dirty="0">
+              <a:cs typeface="Courier New" pitchFamily="49" charset="0"/>
+            </a:endParaRPr>
           </a:p>
           <a:p>
             <a:pPr marL="342900" indent="-342900">
@@ -3947,95 +7978,71 @@
               <a:rPr lang="ru-RU" dirty="0" smtClean="0">
                 <a:cs typeface="Courier New" pitchFamily="49" charset="0"/>
               </a:rPr>
-              <a:t>Создать проект </a:t>
+              <a:t>Для учебного проекта сделать </a:t>
             </a:r>
             <a:r>
               <a:rPr lang="en-US" dirty="0" smtClean="0">
                 <a:cs typeface="Courier New" pitchFamily="49" charset="0"/>
               </a:rPr>
-              <a:t>&lt;</a:t>
+              <a:t>JNDI </a:t>
             </a:r>
             <a:r>
               <a:rPr lang="ru-RU" dirty="0" smtClean="0">
                 <a:cs typeface="Courier New" pitchFamily="49" charset="0"/>
               </a:rPr>
-              <a:t>имя проекта</a:t>
-            </a:r>
-            <a:r>
-              <a:rPr lang="en-US" dirty="0" smtClean="0">
-                <a:cs typeface="Courier New" pitchFamily="49" charset="0"/>
-              </a:rPr>
-              <a:t>&gt;-deploy</a:t>
-            </a:r>
+              <a:t>настройки склада со следующими параметрами</a:t>
+            </a:r>
+          </a:p>
+          <a:p>
+            <a:pPr marL="800100" lvl="1" indent="-342900">
+              <a:buFont typeface="+mj-lt"/>
+              <a:buAutoNum type="arabicPeriod"/>
+            </a:pPr>
             <a:r>
               <a:rPr lang="ru-RU" dirty="0" smtClean="0">
                 <a:cs typeface="Courier New" pitchFamily="49" charset="0"/>
               </a:rPr>
-              <a:t>, тип </a:t>
-            </a:r>
-            <a:r>
-              <a:rPr lang="en-US" dirty="0" smtClean="0">
-                <a:cs typeface="Courier New" pitchFamily="49" charset="0"/>
-              </a:rPr>
-              <a:t>ear</a:t>
-            </a:r>
-            <a:endParaRPr lang="ru-RU" dirty="0" smtClean="0">
+              <a:t>Максимальное количество элементов на складе</a:t>
+            </a:r>
+          </a:p>
+          <a:p>
+            <a:pPr marL="800100" lvl="1" indent="-342900">
+              <a:buFont typeface="+mj-lt"/>
+              <a:buAutoNum type="arabicPeriod"/>
+            </a:pPr>
+            <a:r>
+              <a:rPr lang="ru-RU" dirty="0" smtClean="0">
+                <a:cs typeface="Courier New" pitchFamily="49" charset="0"/>
+              </a:rPr>
+              <a:t>Максимальное количество объектов одного типа на складе</a:t>
+            </a:r>
+          </a:p>
+          <a:p>
+            <a:pPr marL="800100" lvl="1" indent="-342900">
+              <a:buFont typeface="+mj-lt"/>
+              <a:buAutoNum type="arabicPeriod"/>
+            </a:pPr>
+            <a:r>
+              <a:rPr lang="ru-RU" dirty="0" smtClean="0">
+                <a:cs typeface="Courier New" pitchFamily="49" charset="0"/>
+              </a:rPr>
+              <a:t>Частота обновления номенклатуры (будет использоваться в дальнейшем, на данный момент – просто число)</a:t>
+            </a:r>
+          </a:p>
+          <a:p>
+            <a:pPr marL="800100" lvl="1" indent="-342900">
+              <a:buFont typeface="+mj-lt"/>
+              <a:buAutoNum type="arabicPeriod"/>
+            </a:pPr>
+            <a:r>
+              <a:rPr lang="ru-RU" dirty="0" smtClean="0">
+                <a:cs typeface="Courier New" pitchFamily="49" charset="0"/>
+              </a:rPr>
+              <a:t>Наименование склада</a:t>
+            </a:r>
+            <a:endParaRPr lang="en-US" dirty="0" smtClean="0">
               <a:cs typeface="Courier New" pitchFamily="49" charset="0"/>
             </a:endParaRPr>
-          </a:p>
-          <a:p>
-            <a:pPr marL="342900" indent="-342900">
-              <a:buFont typeface="+mj-lt"/>
-              <a:buAutoNum type="arabicPeriod"/>
-            </a:pPr>
-            <a:r>
-              <a:rPr lang="ru-RU" dirty="0" smtClean="0">
-                <a:cs typeface="Courier New" pitchFamily="49" charset="0"/>
-              </a:rPr>
-              <a:t>Выполнить </a:t>
-            </a:r>
-            <a:r>
-              <a:rPr lang="en-US" dirty="0" smtClean="0">
-                <a:cs typeface="Courier New" pitchFamily="49" charset="0"/>
-              </a:rPr>
-              <a:t>deploy </a:t>
-            </a:r>
-            <a:r>
-              <a:rPr lang="ru-RU" dirty="0" smtClean="0">
-                <a:cs typeface="Courier New" pitchFamily="49" charset="0"/>
-              </a:rPr>
-              <a:t>вашего проекта на </a:t>
-            </a:r>
-            <a:r>
-              <a:rPr lang="en-US" dirty="0" err="1" smtClean="0">
-                <a:cs typeface="Courier New" pitchFamily="49" charset="0"/>
-              </a:rPr>
-              <a:t>ApplicationServer</a:t>
-            </a:r>
-            <a:r>
-              <a:rPr lang="en-US" dirty="0" smtClean="0">
-                <a:cs typeface="Courier New" pitchFamily="49" charset="0"/>
-              </a:rPr>
-              <a:t> </a:t>
-            </a:r>
-            <a:r>
-              <a:rPr lang="en-US" dirty="0" err="1" smtClean="0">
-                <a:cs typeface="Courier New" pitchFamily="49" charset="0"/>
-              </a:rPr>
-              <a:t>WebLogic</a:t>
-            </a:r>
-            <a:r>
-              <a:rPr lang="en-US" dirty="0" smtClean="0">
-                <a:cs typeface="Courier New" pitchFamily="49" charset="0"/>
-              </a:rPr>
-              <a:t> </a:t>
-            </a:r>
-            <a:r>
-              <a:rPr lang="ru-RU" dirty="0" smtClean="0">
-                <a:cs typeface="Courier New" pitchFamily="49" charset="0"/>
-              </a:rPr>
-              <a:t>в ваш созданный домен</a:t>
-            </a:r>
           </a:p>
         </p:txBody>
       </p:sp>
